--- a/lectures/lec2/Lec2-BasicConcepts.pptx
+++ b/lectures/lec2/Lec2-BasicConcepts.pptx
@@ -326,7 +326,7 @@
             <a:fld id="{F33530C9-BF13-40EE-A1EC-EBBB0134EBBA}" type="datetime1">
               <a:rPr lang="en-US"/>
               <a:pPr/>
-              <a:t>8/22/2015</a:t>
+              <a:t>10/9/2015</a:t>
             </a:fld>
             <a:endParaRPr lang="en-US"/>
           </a:p>
@@ -544,7 +544,7 @@
             <a:fld id="{7DD20F8F-B3A0-465C-A2C5-4272F8BE0711}" type="datetime1">
               <a:rPr lang="en-US"/>
               <a:pPr/>
-              <a:t>8/22/2015</a:t>
+              <a:t>10/9/2015</a:t>
             </a:fld>
             <a:endParaRPr lang="en-US"/>
           </a:p>
@@ -943,7 +943,7 @@
             <a:fld id="{7DD20F8F-B3A0-465C-A2C5-4272F8BE0711}" type="datetime1">
               <a:rPr lang="en-US" smtClean="0"/>
               <a:pPr/>
-              <a:t>8/22/2015</a:t>
+              <a:t>10/9/2015</a:t>
             </a:fld>
             <a:endParaRPr lang="en-US"/>
           </a:p>
@@ -1060,7 +1060,7 @@
             <a:fld id="{7DD20F8F-B3A0-465C-A2C5-4272F8BE0711}" type="datetime1">
               <a:rPr lang="en-US" smtClean="0"/>
               <a:pPr/>
-              <a:t>8/22/2015</a:t>
+              <a:t>10/9/2015</a:t>
             </a:fld>
             <a:endParaRPr lang="en-US"/>
           </a:p>
@@ -1169,7 +1169,7 @@
             <a:fld id="{7DD20F8F-B3A0-465C-A2C5-4272F8BE0711}" type="datetime1">
               <a:rPr lang="en-US" smtClean="0"/>
               <a:pPr/>
-              <a:t>8/22/2015</a:t>
+              <a:t>10/9/2015</a:t>
             </a:fld>
             <a:endParaRPr lang="en-US"/>
           </a:p>
@@ -3337,20 +3337,6 @@
               </a:rPr>
               <a:t> </a:t>
             </a:r>
-            <a:endParaRPr kumimoji="0" lang="en-US" altLang="zh-CN" sz="1800" u="none" strike="noStrike" kern="0" cap="none" spc="0" normalizeH="0" baseline="0" noProof="0" dirty="0" smtClean="0">
-              <a:ln>
-                <a:noFill/>
-              </a:ln>
-              <a:solidFill>
-                <a:srgbClr val="FF0000"/>
-              </a:solidFill>
-              <a:effectLst/>
-              <a:uLnTx/>
-              <a:uFillTx/>
-              <a:latin typeface="+mn-lt"/>
-              <a:ea typeface="宋体" pitchFamily="-128" charset="-122"/>
-              <a:cs typeface="+mn-cs"/>
-            </a:endParaRPr>
           </a:p>
         </p:txBody>
       </p:sp>
@@ -3458,7 +3444,7 @@
           <a:graphicData uri="http://schemas.openxmlformats.org/presentationml/2006/ole">
             <mc:AlternateContent xmlns:mc="http://schemas.openxmlformats.org/markup-compatibility/2006">
               <mc:Choice xmlns:v="urn:schemas-microsoft-com:vml" Requires="v">
-                <p:oleObj spid="_x0000_s1034" name="Equation" r:id="rId3" imgW="1574640" imgH="1346040" progId="Equation.DSMT4">
+                <p:oleObj spid="_x0000_s1035" name="Equation" r:id="rId3" imgW="1574640" imgH="1346040" progId="Equation.DSMT4">
                   <p:embed/>
                 </p:oleObj>
               </mc:Choice>
@@ -3768,6 +3754,14 @@
               <a:buChar char="•"/>
             </a:pPr>
             <a:r>
+              <a:rPr lang="en-US" altLang="zh-CN" sz="2400" dirty="0">
+                <a:solidFill>
+                  <a:srgbClr val="091D58"/>
+                </a:solidFill>
+              </a:rPr>
+              <a:t>4</a:t>
+            </a:r>
+            <a:r>
               <a:rPr kumimoji="0" lang="en-US" altLang="zh-CN" sz="2400" u="none" strike="noStrike" kern="0" cap="none" spc="0" normalizeH="0" baseline="0" noProof="0" dirty="0" smtClean="0">
                 <a:ln>
                   <a:noFill/>
@@ -3779,7 +3773,21 @@
                 <a:uLnTx/>
                 <a:uFillTx/>
               </a:rPr>
-              <a:t>6 × ≈ 6 dB</a:t>
+              <a:t> </a:t>
+            </a:r>
+            <a:r>
+              <a:rPr kumimoji="0" lang="en-US" altLang="zh-CN" sz="2400" u="none" strike="noStrike" kern="0" cap="none" spc="0" normalizeH="0" baseline="0" noProof="0" dirty="0" smtClean="0">
+                <a:ln>
+                  <a:noFill/>
+                </a:ln>
+                <a:solidFill>
+                  <a:srgbClr val="091D58"/>
+                </a:solidFill>
+                <a:effectLst/>
+                <a:uLnTx/>
+                <a:uFillTx/>
+              </a:rPr>
+              <a:t>× ≈ 6 dB</a:t>
             </a:r>
           </a:p>
           <a:p>
@@ -9794,7 +9802,7 @@
           <a:graphicData uri="http://schemas.openxmlformats.org/presentationml/2006/ole">
             <mc:AlternateContent xmlns:mc="http://schemas.openxmlformats.org/markup-compatibility/2006">
               <mc:Choice xmlns:v="urn:schemas-microsoft-com:vml" Requires="v">
-                <p:oleObj spid="_x0000_s2066" name="Equation" r:id="rId8" imgW="1346040" imgH="279360" progId="Equation.DSMT4">
+                <p:oleObj spid="_x0000_s2068" name="Equation" r:id="rId8" imgW="1346040" imgH="279360" progId="Equation.DSMT4">
                   <p:embed/>
                 </p:oleObj>
               </mc:Choice>
@@ -9847,7 +9855,7 @@
           <a:graphicData uri="http://schemas.openxmlformats.org/presentationml/2006/ole">
             <mc:AlternateContent xmlns:mc="http://schemas.openxmlformats.org/markup-compatibility/2006">
               <mc:Choice xmlns:v="urn:schemas-microsoft-com:vml" Requires="v">
-                <p:oleObj spid="_x0000_s2067" name="Equation" r:id="rId10" imgW="698400" imgH="482400" progId="Equation.DSMT4">
+                <p:oleObj spid="_x0000_s2069" name="Equation" r:id="rId10" imgW="698400" imgH="482400" progId="Equation.DSMT4">
                   <p:embed/>
                 </p:oleObj>
               </mc:Choice>

--- a/lectures/lec2/Lec2-BasicConcepts.pptx
+++ b/lectures/lec2/Lec2-BasicConcepts.pptx
@@ -206,7 +206,7 @@
       </p:ext>
     </p:extLst>
   </p:cmAuthor>
-  <p:cmAuthor id="2" name="Xiaoguang Liu" initials="XL [2]" lastIdx="1" clrIdx="2">
+  <p:cmAuthor id="2" name="Xiaoguang Liu" initials="XL [2]" lastIdx="3" clrIdx="2">
     <p:extLst>
       <p:ext uri="{19B8F6BF-5375-455C-9EA6-DF929625EA0E}">
         <p15:presenceInfo xmlns:p15="http://schemas.microsoft.com/office/powerpoint/2012/main" userId="38ca93d2050687e9" providerId="Windows Live"/>
@@ -214,6 +214,20 @@
     </p:extLst>
   </p:cmAuthor>
 </p:cmAuthorLst>
+</file>
+
+<file path=ppt/comments/comment1.xml><?xml version="1.0" encoding="utf-8"?>
+<p:cmLst xmlns:a="http://schemas.openxmlformats.org/drawingml/2006/main" xmlns:r="http://schemas.openxmlformats.org/officeDocument/2006/relationships" xmlns:p="http://schemas.openxmlformats.org/presentationml/2006/main">
+  <p:cm authorId="2" dt="2015-10-09T14:49:13.100" idx="3">
+    <p:pos x="10" y="10"/>
+    <p:text>redesign this slide to emphasize that although S parameters are fundamentally power quantities, they are specified in voltage</p:text>
+    <p:extLst>
+      <p:ext uri="{C676402C-5697-4E1C-873F-D02D1690AC5C}">
+        <p15:threadingInfo xmlns:p15="http://schemas.microsoft.com/office/powerpoint/2012/main" timeZoneBias="420"/>
+      </p:ext>
+    </p:extLst>
+  </p:cm>
+</p:cmLst>
 </file>
 
 <file path=ppt/handoutMasters/handoutMaster1.xml><?xml version="1.0" encoding="utf-8"?>
@@ -326,7 +340,7 @@
             <a:fld id="{F33530C9-BF13-40EE-A1EC-EBBB0134EBBA}" type="datetime1">
               <a:rPr lang="en-US"/>
               <a:pPr/>
-              <a:t>10/9/2015</a:t>
+              <a:t>10/9/2015 Friday</a:t>
             </a:fld>
             <a:endParaRPr lang="en-US"/>
           </a:p>
@@ -544,7 +558,7 @@
             <a:fld id="{7DD20F8F-B3A0-465C-A2C5-4272F8BE0711}" type="datetime1">
               <a:rPr lang="en-US"/>
               <a:pPr/>
-              <a:t>10/9/2015</a:t>
+              <a:t>10/9/2015 Friday</a:t>
             </a:fld>
             <a:endParaRPr lang="en-US"/>
           </a:p>
@@ -943,7 +957,7 @@
             <a:fld id="{7DD20F8F-B3A0-465C-A2C5-4272F8BE0711}" type="datetime1">
               <a:rPr lang="en-US" smtClean="0"/>
               <a:pPr/>
-              <a:t>10/9/2015</a:t>
+              <a:t>10/9/2015 Friday</a:t>
             </a:fld>
             <a:endParaRPr lang="en-US"/>
           </a:p>
@@ -1060,7 +1074,7 @@
             <a:fld id="{7DD20F8F-B3A0-465C-A2C5-4272F8BE0711}" type="datetime1">
               <a:rPr lang="en-US" smtClean="0"/>
               <a:pPr/>
-              <a:t>10/9/2015</a:t>
+              <a:t>10/9/2015 Friday</a:t>
             </a:fld>
             <a:endParaRPr lang="en-US"/>
           </a:p>
@@ -1169,7 +1183,7 @@
             <a:fld id="{7DD20F8F-B3A0-465C-A2C5-4272F8BE0711}" type="datetime1">
               <a:rPr lang="en-US" smtClean="0"/>
               <a:pPr/>
-              <a:t>10/9/2015</a:t>
+              <a:t>10/9/2015 Friday</a:t>
             </a:fld>
             <a:endParaRPr lang="en-US"/>
           </a:p>
@@ -1203,6 +1217,115 @@
     <p:extLst>
       <p:ext uri="{BB962C8B-B14F-4D97-AF65-F5344CB8AC3E}">
         <p14:creationId xmlns:p14="http://schemas.microsoft.com/office/powerpoint/2010/main" val="2131538709"/>
+      </p:ext>
+    </p:extLst>
+  </p:cSld>
+  <p:clrMapOvr>
+    <a:masterClrMapping/>
+  </p:clrMapOvr>
+</p:notes>
+</file>
+
+<file path=ppt/notesSlides/notesSlide4.xml><?xml version="1.0" encoding="utf-8"?>
+<p:notes xmlns:a="http://schemas.openxmlformats.org/drawingml/2006/main" xmlns:r="http://schemas.openxmlformats.org/officeDocument/2006/relationships" xmlns:p="http://schemas.openxmlformats.org/presentationml/2006/main">
+  <p:cSld>
+    <p:spTree>
+      <p:nvGrpSpPr>
+        <p:cNvPr id="1" name=""/>
+        <p:cNvGrpSpPr/>
+        <p:nvPr/>
+      </p:nvGrpSpPr>
+      <p:grpSpPr>
+        <a:xfrm>
+          <a:off x="0" y="0"/>
+          <a:ext cx="0" cy="0"/>
+          <a:chOff x="0" y="0"/>
+          <a:chExt cx="0" cy="0"/>
+        </a:xfrm>
+      </p:grpSpPr>
+      <p:sp>
+        <p:nvSpPr>
+          <p:cNvPr id="2" name="Slide Image Placeholder 1"/>
+          <p:cNvSpPr>
+            <a:spLocks noGrp="1" noRot="1" noChangeAspect="1"/>
+          </p:cNvSpPr>
+          <p:nvPr>
+            <p:ph type="sldImg"/>
+          </p:nvPr>
+        </p:nvSpPr>
+        <p:spPr/>
+      </p:sp>
+      <p:sp>
+        <p:nvSpPr>
+          <p:cNvPr id="3" name="Notes Placeholder 2"/>
+          <p:cNvSpPr>
+            <a:spLocks noGrp="1"/>
+          </p:cNvSpPr>
+          <p:nvPr>
+            <p:ph type="body" idx="1"/>
+          </p:nvPr>
+        </p:nvSpPr>
+        <p:spPr/>
+        <p:txBody>
+          <a:bodyPr/>
+          <a:lstStyle/>
+          <a:p>
+            <a:endParaRPr lang="en-US" dirty="0"/>
+          </a:p>
+        </p:txBody>
+      </p:sp>
+      <p:sp>
+        <p:nvSpPr>
+          <p:cNvPr id="4" name="Date Placeholder 3"/>
+          <p:cNvSpPr>
+            <a:spLocks noGrp="1"/>
+          </p:cNvSpPr>
+          <p:nvPr>
+            <p:ph type="dt" idx="10"/>
+          </p:nvPr>
+        </p:nvSpPr>
+        <p:spPr/>
+        <p:txBody>
+          <a:bodyPr/>
+          <a:lstStyle/>
+          <a:p>
+            <a:fld id="{7DD20F8F-B3A0-465C-A2C5-4272F8BE0711}" type="datetime1">
+              <a:rPr lang="en-US" smtClean="0"/>
+              <a:pPr/>
+              <a:t>10/9/2015 Friday</a:t>
+            </a:fld>
+            <a:endParaRPr lang="en-US"/>
+          </a:p>
+        </p:txBody>
+      </p:sp>
+      <p:sp>
+        <p:nvSpPr>
+          <p:cNvPr id="5" name="Slide Number Placeholder 4"/>
+          <p:cNvSpPr>
+            <a:spLocks noGrp="1"/>
+          </p:cNvSpPr>
+          <p:nvPr>
+            <p:ph type="sldNum" sz="quarter" idx="11"/>
+          </p:nvPr>
+        </p:nvSpPr>
+        <p:spPr/>
+        <p:txBody>
+          <a:bodyPr/>
+          <a:lstStyle/>
+          <a:p>
+            <a:fld id="{CFF31767-D1A3-4648-B372-2E096E58CC1D}" type="slidenum">
+              <a:rPr lang="en-US" smtClean="0"/>
+              <a:pPr/>
+              <a:t>15</a:t>
+            </a:fld>
+            <a:endParaRPr lang="en-US"/>
+          </a:p>
+        </p:txBody>
+      </p:sp>
+    </p:spTree>
+    <p:extLst>
+      <p:ext uri="{BB962C8B-B14F-4D97-AF65-F5344CB8AC3E}">
+        <p14:creationId xmlns:p14="http://schemas.microsoft.com/office/powerpoint/2010/main" val="2797535885"/>
       </p:ext>
     </p:extLst>
   </p:cSld>
@@ -3444,7 +3567,7 @@
           <a:graphicData uri="http://schemas.openxmlformats.org/presentationml/2006/ole">
             <mc:AlternateContent xmlns:mc="http://schemas.openxmlformats.org/markup-compatibility/2006">
               <mc:Choice xmlns:v="urn:schemas-microsoft-com:vml" Requires="v">
-                <p:oleObj spid="_x0000_s1035" name="Equation" r:id="rId3" imgW="1574640" imgH="1346040" progId="Equation.DSMT4">
+                <p:oleObj spid="_x0000_s1037" name="Equation" r:id="rId3" imgW="1574640" imgH="1346040" progId="Equation.DSMT4">
                   <p:embed/>
                 </p:oleObj>
               </mc:Choice>
@@ -3707,21 +3830,7 @@
                   <a:srgbClr val="091D58"/>
                 </a:solidFill>
               </a:rPr>
-              <a:t> 2 × ≈ +3 dB </a:t>
-            </a:r>
-          </a:p>
-          <a:p>
-            <a:pPr lvl="1">
-              <a:buFont typeface="Arial" pitchFamily="34" charset="0"/>
-              <a:buChar char="•"/>
-            </a:pPr>
-            <a:r>
-              <a:rPr lang="en-US" sz="2400" dirty="0">
-                <a:solidFill>
-                  <a:srgbClr val="091D58"/>
-                </a:solidFill>
-              </a:rPr>
-              <a:t> </a:t>
+              <a:t>2 </a:t>
             </a:r>
             <a:r>
               <a:rPr lang="en-US" sz="2400" dirty="0" smtClean="0">
@@ -3729,7 +3838,29 @@
                   <a:srgbClr val="091D58"/>
                 </a:solidFill>
               </a:rPr>
-              <a:t>0.5 × </a:t>
+              <a:t>× ≈ +3 dB </a:t>
+            </a:r>
+          </a:p>
+          <a:p>
+            <a:pPr lvl="1">
+              <a:buFont typeface="Arial" pitchFamily="34" charset="0"/>
+              <a:buChar char="•"/>
+            </a:pPr>
+            <a:r>
+              <a:rPr lang="en-US" sz="2400" dirty="0" smtClean="0">
+                <a:solidFill>
+                  <a:srgbClr val="091D58"/>
+                </a:solidFill>
+              </a:rPr>
+              <a:t>0.5 </a:t>
+            </a:r>
+            <a:r>
+              <a:rPr lang="en-US" sz="2400" dirty="0" smtClean="0">
+                <a:solidFill>
+                  <a:srgbClr val="091D58"/>
+                </a:solidFill>
+              </a:rPr>
+              <a:t>× </a:t>
             </a:r>
             <a:r>
               <a:rPr lang="en-US" sz="2400" dirty="0">
@@ -3773,21 +3904,7 @@
                 <a:uLnTx/>
                 <a:uFillTx/>
               </a:rPr>
-              <a:t> </a:t>
-            </a:r>
-            <a:r>
-              <a:rPr kumimoji="0" lang="en-US" altLang="zh-CN" sz="2400" u="none" strike="noStrike" kern="0" cap="none" spc="0" normalizeH="0" baseline="0" noProof="0" dirty="0" smtClean="0">
-                <a:ln>
-                  <a:noFill/>
-                </a:ln>
-                <a:solidFill>
-                  <a:srgbClr val="091D58"/>
-                </a:solidFill>
-                <a:effectLst/>
-                <a:uLnTx/>
-                <a:uFillTx/>
-              </a:rPr>
-              <a:t>× ≈ 6 dB</a:t>
+              <a:t> × ≈ 6 dB</a:t>
             </a:r>
           </a:p>
           <a:p>
@@ -7622,7 +7739,7 @@
           <p:nvPr/>
         </p:nvPicPr>
         <p:blipFill>
-          <a:blip r:embed="rId2" cstate="print"/>
+          <a:blip r:embed="rId3" cstate="print"/>
           <a:srcRect/>
           <a:stretch>
             <a:fillRect/>
@@ -9802,7 +9919,7 @@
           <a:graphicData uri="http://schemas.openxmlformats.org/presentationml/2006/ole">
             <mc:AlternateContent xmlns:mc="http://schemas.openxmlformats.org/markup-compatibility/2006">
               <mc:Choice xmlns:v="urn:schemas-microsoft-com:vml" Requires="v">
-                <p:oleObj spid="_x0000_s2068" name="Equation" r:id="rId8" imgW="1346040" imgH="279360" progId="Equation.DSMT4">
+                <p:oleObj spid="_x0000_s2072" name="Equation" r:id="rId8" imgW="1346040" imgH="279360" progId="Equation.DSMT4">
                   <p:embed/>
                 </p:oleObj>
               </mc:Choice>
@@ -9855,7 +9972,7 @@
           <a:graphicData uri="http://schemas.openxmlformats.org/presentationml/2006/ole">
             <mc:AlternateContent xmlns:mc="http://schemas.openxmlformats.org/markup-compatibility/2006">
               <mc:Choice xmlns:v="urn:schemas-microsoft-com:vml" Requires="v">
-                <p:oleObj spid="_x0000_s2069" name="Equation" r:id="rId10" imgW="698400" imgH="482400" progId="Equation.DSMT4">
+                <p:oleObj spid="_x0000_s2073" name="Equation" r:id="rId10" imgW="698400" imgH="482400" progId="Equation.DSMT4">
                   <p:embed/>
                 </p:oleObj>
               </mc:Choice>
@@ -10345,7 +10462,7 @@
           <p:nvPr/>
         </p:nvPicPr>
         <p:blipFill>
-          <a:blip r:embed="rId2" cstate="print"/>
+          <a:blip r:embed="rId5" cstate="print"/>
           <a:srcRect/>
           <a:stretch>
             <a:fillRect/>
@@ -10368,88 +10485,6 @@
           </a:ln>
         </p:spPr>
       </p:pic>
-      <p:sp>
-        <p:nvSpPr>
-          <p:cNvPr id="10" name="TextBox 7"/>
-          <p:cNvSpPr txBox="1">
-            <a:spLocks noChangeArrowheads="1"/>
-          </p:cNvSpPr>
-          <p:nvPr/>
-        </p:nvSpPr>
-        <p:spPr bwMode="auto">
-          <a:xfrm>
-            <a:off x="4284851" y="2725509"/>
-            <a:ext cx="748923" cy="461665"/>
-          </a:xfrm>
-          <a:prstGeom prst="rect">
-            <a:avLst/>
-          </a:prstGeom>
-          <a:noFill/>
-          <a:ln w="9525">
-            <a:noFill/>
-            <a:miter lim="800000"/>
-            <a:headEnd/>
-            <a:tailEnd/>
-          </a:ln>
-        </p:spPr>
-        <p:txBody>
-          <a:bodyPr wrap="none">
-            <a:spAutoFit/>
-          </a:bodyPr>
-          <a:lstStyle/>
-          <a:p>
-            <a:r>
-              <a:rPr lang="en-US" dirty="0">
-                <a:solidFill>
-                  <a:srgbClr val="4D4D4D"/>
-                </a:solidFill>
-              </a:rPr>
-              <a:t>(dB)</a:t>
-            </a:r>
-          </a:p>
-        </p:txBody>
-      </p:sp>
-      <p:sp>
-        <p:nvSpPr>
-          <p:cNvPr id="11" name="TextBox 8"/>
-          <p:cNvSpPr txBox="1">
-            <a:spLocks noChangeArrowheads="1"/>
-          </p:cNvSpPr>
-          <p:nvPr/>
-        </p:nvSpPr>
-        <p:spPr bwMode="auto">
-          <a:xfrm>
-            <a:off x="4384836" y="4175185"/>
-            <a:ext cx="748923" cy="461665"/>
-          </a:xfrm>
-          <a:prstGeom prst="rect">
-            <a:avLst/>
-          </a:prstGeom>
-          <a:noFill/>
-          <a:ln w="9525">
-            <a:noFill/>
-            <a:miter lim="800000"/>
-            <a:headEnd/>
-            <a:tailEnd/>
-          </a:ln>
-        </p:spPr>
-        <p:txBody>
-          <a:bodyPr wrap="none">
-            <a:spAutoFit/>
-          </a:bodyPr>
-          <a:lstStyle/>
-          <a:p>
-            <a:r>
-              <a:rPr lang="en-US" dirty="0">
-                <a:solidFill>
-                  <a:srgbClr val="4D4D4D"/>
-                </a:solidFill>
-              </a:rPr>
-              <a:t>(dB)</a:t>
-            </a:r>
-          </a:p>
-        </p:txBody>
-      </p:sp>
       <p:sp>
         <p:nvSpPr>
           <p:cNvPr id="14" name="TextBox 13"/>
@@ -10531,659 +10566,108 @@
           </a:p>
         </p:txBody>
       </p:sp>
-      <mc:AlternateContent xmlns:mc="http://schemas.openxmlformats.org/markup-compatibility/2006" xmlns:a14="http://schemas.microsoft.com/office/drawing/2010/main">
-        <mc:Choice Requires="a14">
-          <p:sp>
-            <p:nvSpPr>
-              <p:cNvPr id="3" name="TextBox 2"/>
-              <p:cNvSpPr txBox="1"/>
-              <p:nvPr/>
-            </p:nvSpPr>
-            <p:spPr>
-              <a:xfrm>
-                <a:off x="1076367" y="1432289"/>
-                <a:ext cx="2831095" cy="461665"/>
-              </a:xfrm>
-              <a:prstGeom prst="rect">
-                <a:avLst/>
-              </a:prstGeom>
-              <a:noFill/>
-            </p:spPr>
-            <p:txBody>
-              <a:bodyPr wrap="none" lIns="0" tIns="0" rIns="0" bIns="0" rtlCol="0">
-                <a:spAutoFit/>
-              </a:bodyPr>
-              <a:lstStyle/>
-              <a:p>
-                <a:pPr/>
-                <a14:m>
-                  <m:oMathPara xmlns:m="http://schemas.openxmlformats.org/officeDocument/2006/math">
-                    <m:oMathParaPr>
-                      <m:jc m:val="centerGroup"/>
-                    </m:oMathParaPr>
-                    <m:oMath xmlns:m="http://schemas.openxmlformats.org/officeDocument/2006/math">
-                      <m:r>
-                        <a:rPr lang="en-US" sz="3000" b="0" i="1" smtClean="0">
-                          <a:solidFill>
-                            <a:srgbClr val="4D4D4D"/>
-                          </a:solidFill>
-                          <a:latin typeface="Cambria Math" panose="02040503050406030204" pitchFamily="18" charset="0"/>
-                        </a:rPr>
-                        <m:t>𝐺</m:t>
-                      </m:r>
-                      <m:r>
-                        <a:rPr lang="en-US" sz="3000" b="0" i="1" smtClean="0">
-                          <a:solidFill>
-                            <a:srgbClr val="4D4D4D"/>
-                          </a:solidFill>
-                          <a:latin typeface="Cambria Math" panose="02040503050406030204" pitchFamily="18" charset="0"/>
-                        </a:rPr>
-                        <m:t>=10</m:t>
-                      </m:r>
-                      <m:func>
-                        <m:funcPr>
-                          <m:ctrlPr>
-                            <a:rPr lang="en-US" sz="3000" b="0" i="1" smtClean="0">
-                              <a:solidFill>
-                                <a:srgbClr val="4D4D4D"/>
-                              </a:solidFill>
-                              <a:latin typeface="Cambria Math" panose="02040503050406030204" pitchFamily="18" charset="0"/>
-                            </a:rPr>
-                          </m:ctrlPr>
-                        </m:funcPr>
-                        <m:fName>
-                          <m:r>
-                            <m:rPr>
-                              <m:sty m:val="p"/>
-                            </m:rPr>
-                            <a:rPr lang="en-US" sz="3000" b="0" i="0" smtClean="0">
-                              <a:solidFill>
-                                <a:srgbClr val="4D4D4D"/>
-                              </a:solidFill>
-                              <a:latin typeface="Cambria Math" panose="02040503050406030204" pitchFamily="18" charset="0"/>
-                            </a:rPr>
-                            <m:t>log</m:t>
-                          </m:r>
-                        </m:fName>
-                        <m:e>
-                          <m:sSup>
-                            <m:sSupPr>
-                              <m:ctrlPr>
-                                <a:rPr lang="en-US" sz="3000" b="0" i="1" smtClean="0">
-                                  <a:solidFill>
-                                    <a:srgbClr val="4D4D4D"/>
-                                  </a:solidFill>
-                                  <a:latin typeface="Cambria Math" panose="02040503050406030204" pitchFamily="18" charset="0"/>
-                                </a:rPr>
-                              </m:ctrlPr>
-                            </m:sSupPr>
-                            <m:e>
-                              <m:d>
-                                <m:dPr>
-                                  <m:begChr m:val="|"/>
-                                  <m:endChr m:val="|"/>
-                                  <m:ctrlPr>
-                                    <a:rPr lang="en-US" sz="3000" b="0" i="1" smtClean="0">
-                                      <a:solidFill>
-                                        <a:srgbClr val="4D4D4D"/>
-                                      </a:solidFill>
-                                      <a:latin typeface="Cambria Math" panose="02040503050406030204" pitchFamily="18" charset="0"/>
-                                    </a:rPr>
-                                  </m:ctrlPr>
-                                </m:dPr>
-                                <m:e>
-                                  <m:sSub>
-                                    <m:sSubPr>
-                                      <m:ctrlPr>
-                                        <a:rPr lang="en-US" sz="3000" b="0" i="1" smtClean="0">
-                                          <a:solidFill>
-                                            <a:srgbClr val="4D4D4D"/>
-                                          </a:solidFill>
-                                          <a:latin typeface="Cambria Math" panose="02040503050406030204" pitchFamily="18" charset="0"/>
-                                        </a:rPr>
-                                      </m:ctrlPr>
-                                    </m:sSubPr>
-                                    <m:e>
-                                      <m:r>
-                                        <a:rPr lang="en-US" sz="3000" b="0" i="1" smtClean="0">
-                                          <a:solidFill>
-                                            <a:srgbClr val="4D4D4D"/>
-                                          </a:solidFill>
-                                          <a:latin typeface="Cambria Math" panose="02040503050406030204" pitchFamily="18" charset="0"/>
-                                        </a:rPr>
-                                        <m:t>𝑆</m:t>
-                                      </m:r>
-                                    </m:e>
-                                    <m:sub>
-                                      <m:r>
-                                        <a:rPr lang="en-US" sz="3000" b="0" i="1" smtClean="0">
-                                          <a:solidFill>
-                                            <a:srgbClr val="4D4D4D"/>
-                                          </a:solidFill>
-                                          <a:latin typeface="Cambria Math" panose="02040503050406030204" pitchFamily="18" charset="0"/>
-                                        </a:rPr>
-                                        <m:t>21</m:t>
-                                      </m:r>
-                                    </m:sub>
-                                  </m:sSub>
-                                </m:e>
-                              </m:d>
-                            </m:e>
-                            <m:sup>
-                              <m:r>
-                                <a:rPr lang="en-US" sz="3000" b="0" i="1" smtClean="0">
-                                  <a:solidFill>
-                                    <a:srgbClr val="4D4D4D"/>
-                                  </a:solidFill>
-                                  <a:latin typeface="Cambria Math" panose="02040503050406030204" pitchFamily="18" charset="0"/>
-                                </a:rPr>
-                                <m:t>2</m:t>
-                              </m:r>
-                            </m:sup>
-                          </m:sSup>
-                        </m:e>
-                      </m:func>
-                    </m:oMath>
-                  </m:oMathPara>
-                </a14:m>
-                <a:endParaRPr lang="en-US" sz="3000" dirty="0" smtClean="0">
-                  <a:solidFill>
-                    <a:srgbClr val="4D4D4D"/>
-                  </a:solidFill>
-                  <a:latin typeface="+mj-lt"/>
-                </a:endParaRPr>
-              </a:p>
-            </p:txBody>
-          </p:sp>
-        </mc:Choice>
-        <mc:Fallback xmlns="">
-          <p:sp>
-            <p:nvSpPr>
-              <p:cNvPr id="3" name="TextBox 2"/>
-              <p:cNvSpPr txBox="1">
-                <a:spLocks noRot="1" noChangeAspect="1" noMove="1" noResize="1" noEditPoints="1" noAdjustHandles="1" noChangeArrowheads="1" noChangeShapeType="1" noTextEdit="1"/>
-              </p:cNvSpPr>
-              <p:nvPr/>
-            </p:nvSpPr>
-            <p:spPr>
-              <a:xfrm>
-                <a:off x="1076367" y="1432289"/>
-                <a:ext cx="2831095" cy="461665"/>
-              </a:xfrm>
-              <a:prstGeom prst="rect">
-                <a:avLst/>
-              </a:prstGeom>
-              <a:blipFill rotWithShape="0">
-                <a:blip r:embed="rId3"/>
-                <a:stretch>
-                  <a:fillRect/>
-                </a:stretch>
-              </a:blipFill>
-            </p:spPr>
-            <p:txBody>
-              <a:bodyPr/>
-              <a:lstStyle/>
-              <a:p>
-                <a:r>
-                  <a:rPr lang="en-US">
-                    <a:noFill/>
-                  </a:rPr>
-                  <a:t> </a:t>
-                </a:r>
-              </a:p>
-            </p:txBody>
-          </p:sp>
-        </mc:Fallback>
-      </mc:AlternateContent>
-      <p:sp>
-        <p:nvSpPr>
-          <p:cNvPr id="13" name="TextBox 7"/>
-          <p:cNvSpPr txBox="1">
-            <a:spLocks noChangeArrowheads="1"/>
-          </p:cNvSpPr>
-          <p:nvPr/>
-        </p:nvSpPr>
-        <p:spPr bwMode="auto">
+      <p:pic>
+        <p:nvPicPr>
+          <p:cNvPr id="5" name="Picture 4"/>
+          <p:cNvPicPr>
+            <a:picLocks noChangeAspect="1"/>
+          </p:cNvPicPr>
+          <p:nvPr>
+            <p:custDataLst>
+              <p:tags r:id="rId1"/>
+            </p:custDataLst>
+          </p:nvPr>
+        </p:nvPicPr>
+        <p:blipFill>
+          <a:blip r:embed="rId6" cstate="print">
+            <a:extLst>
+              <a:ext uri="{28A0092B-C50C-407E-A947-70E740481C1C}">
+                <a14:useLocalDpi xmlns:a14="http://schemas.microsoft.com/office/drawing/2010/main" val="0"/>
+              </a:ext>
+            </a:extLst>
+          </a:blip>
+          <a:stretch>
+            <a:fillRect/>
+          </a:stretch>
+        </p:blipFill>
+        <p:spPr>
           <a:xfrm>
-            <a:off x="3910989" y="1432289"/>
-            <a:ext cx="748923" cy="461665"/>
+            <a:off x="1033207" y="1374008"/>
+            <a:ext cx="3518154" cy="461772"/>
           </a:xfrm>
           <a:prstGeom prst="rect">
             <a:avLst/>
           </a:prstGeom>
-          <a:noFill/>
-          <a:ln w="9525">
-            <a:noFill/>
-            <a:miter lim="800000"/>
-            <a:headEnd/>
-            <a:tailEnd/>
-          </a:ln>
         </p:spPr>
-        <p:txBody>
-          <a:bodyPr wrap="none">
-            <a:spAutoFit/>
-          </a:bodyPr>
-          <a:lstStyle/>
-          <a:p>
-            <a:r>
-              <a:rPr lang="en-US" dirty="0">
-                <a:solidFill>
-                  <a:srgbClr val="4D4D4D"/>
-                </a:solidFill>
-              </a:rPr>
-              <a:t>(dB)</a:t>
-            </a:r>
-          </a:p>
-        </p:txBody>
-      </p:sp>
-      <mc:AlternateContent xmlns:mc="http://schemas.openxmlformats.org/markup-compatibility/2006" xmlns:a14="http://schemas.microsoft.com/office/drawing/2010/main">
-        <mc:Choice Requires="a14">
-          <p:sp>
-            <p:nvSpPr>
-              <p:cNvPr id="16" name="TextBox 15"/>
-              <p:cNvSpPr txBox="1"/>
-              <p:nvPr/>
-            </p:nvSpPr>
-            <p:spPr>
-              <a:xfrm>
-                <a:off x="1076367" y="2725509"/>
-                <a:ext cx="3217997" cy="461665"/>
-              </a:xfrm>
-              <a:prstGeom prst="rect">
-                <a:avLst/>
-              </a:prstGeom>
-              <a:noFill/>
-            </p:spPr>
-            <p:txBody>
-              <a:bodyPr wrap="none" lIns="0" tIns="0" rIns="0" bIns="0" rtlCol="0">
-                <a:spAutoFit/>
-              </a:bodyPr>
-              <a:lstStyle/>
-              <a:p>
-                <a:pPr/>
-                <a14:m>
-                  <m:oMathPara xmlns:m="http://schemas.openxmlformats.org/officeDocument/2006/math">
-                    <m:oMathParaPr>
-                      <m:jc m:val="centerGroup"/>
-                    </m:oMathParaPr>
-                    <m:oMath xmlns:m="http://schemas.openxmlformats.org/officeDocument/2006/math">
-                      <m:r>
-                        <a:rPr lang="en-US" sz="3000" b="0" i="1" smtClean="0">
-                          <a:solidFill>
-                            <a:srgbClr val="4D4D4D"/>
-                          </a:solidFill>
-                          <a:latin typeface="Cambria Math" panose="02040503050406030204" pitchFamily="18" charset="0"/>
-                        </a:rPr>
-                        <m:t>𝐼𝐿</m:t>
-                      </m:r>
-                      <m:r>
-                        <a:rPr lang="en-US" sz="3000" b="0" i="1" smtClean="0">
-                          <a:solidFill>
-                            <a:srgbClr val="4D4D4D"/>
-                          </a:solidFill>
-                          <a:latin typeface="Cambria Math" panose="02040503050406030204" pitchFamily="18" charset="0"/>
-                        </a:rPr>
-                        <m:t>=−10</m:t>
-                      </m:r>
-                      <m:func>
-                        <m:funcPr>
-                          <m:ctrlPr>
-                            <a:rPr lang="en-US" sz="3000" b="0" i="1" smtClean="0">
-                              <a:solidFill>
-                                <a:srgbClr val="4D4D4D"/>
-                              </a:solidFill>
-                              <a:latin typeface="Cambria Math" panose="02040503050406030204" pitchFamily="18" charset="0"/>
-                            </a:rPr>
-                          </m:ctrlPr>
-                        </m:funcPr>
-                        <m:fName>
-                          <m:r>
-                            <m:rPr>
-                              <m:sty m:val="p"/>
-                            </m:rPr>
-                            <a:rPr lang="en-US" sz="3000" b="0" i="0" smtClean="0">
-                              <a:solidFill>
-                                <a:srgbClr val="4D4D4D"/>
-                              </a:solidFill>
-                              <a:latin typeface="Cambria Math" panose="02040503050406030204" pitchFamily="18" charset="0"/>
-                            </a:rPr>
-                            <m:t>log</m:t>
-                          </m:r>
-                        </m:fName>
-                        <m:e>
-                          <m:sSup>
-                            <m:sSupPr>
-                              <m:ctrlPr>
-                                <a:rPr lang="en-US" sz="3000" b="0" i="1" smtClean="0">
-                                  <a:solidFill>
-                                    <a:srgbClr val="4D4D4D"/>
-                                  </a:solidFill>
-                                  <a:latin typeface="Cambria Math" panose="02040503050406030204" pitchFamily="18" charset="0"/>
-                                </a:rPr>
-                              </m:ctrlPr>
-                            </m:sSupPr>
-                            <m:e>
-                              <m:d>
-                                <m:dPr>
-                                  <m:begChr m:val="|"/>
-                                  <m:endChr m:val="|"/>
-                                  <m:ctrlPr>
-                                    <a:rPr lang="en-US" sz="3000" b="0" i="1" smtClean="0">
-                                      <a:solidFill>
-                                        <a:srgbClr val="4D4D4D"/>
-                                      </a:solidFill>
-                                      <a:latin typeface="Cambria Math" panose="02040503050406030204" pitchFamily="18" charset="0"/>
-                                    </a:rPr>
-                                  </m:ctrlPr>
-                                </m:dPr>
-                                <m:e>
-                                  <m:sSub>
-                                    <m:sSubPr>
-                                      <m:ctrlPr>
-                                        <a:rPr lang="en-US" sz="3000" b="0" i="1" smtClean="0">
-                                          <a:solidFill>
-                                            <a:srgbClr val="4D4D4D"/>
-                                          </a:solidFill>
-                                          <a:latin typeface="Cambria Math" panose="02040503050406030204" pitchFamily="18" charset="0"/>
-                                        </a:rPr>
-                                      </m:ctrlPr>
-                                    </m:sSubPr>
-                                    <m:e>
-                                      <m:r>
-                                        <a:rPr lang="en-US" sz="3000" b="0" i="1" smtClean="0">
-                                          <a:solidFill>
-                                            <a:srgbClr val="4D4D4D"/>
-                                          </a:solidFill>
-                                          <a:latin typeface="Cambria Math" panose="02040503050406030204" pitchFamily="18" charset="0"/>
-                                        </a:rPr>
-                                        <m:t>𝑆</m:t>
-                                      </m:r>
-                                    </m:e>
-                                    <m:sub>
-                                      <m:r>
-                                        <a:rPr lang="en-US" sz="3000" b="0" i="1" smtClean="0">
-                                          <a:solidFill>
-                                            <a:srgbClr val="4D4D4D"/>
-                                          </a:solidFill>
-                                          <a:latin typeface="Cambria Math" panose="02040503050406030204" pitchFamily="18" charset="0"/>
-                                        </a:rPr>
-                                        <m:t>21</m:t>
-                                      </m:r>
-                                    </m:sub>
-                                  </m:sSub>
-                                </m:e>
-                              </m:d>
-                            </m:e>
-                            <m:sup>
-                              <m:r>
-                                <a:rPr lang="en-US" sz="3000" b="0" i="1" smtClean="0">
-                                  <a:solidFill>
-                                    <a:srgbClr val="4D4D4D"/>
-                                  </a:solidFill>
-                                  <a:latin typeface="Cambria Math" panose="02040503050406030204" pitchFamily="18" charset="0"/>
-                                </a:rPr>
-                                <m:t>2</m:t>
-                              </m:r>
-                            </m:sup>
-                          </m:sSup>
-                        </m:e>
-                      </m:func>
-                    </m:oMath>
-                  </m:oMathPara>
-                </a14:m>
-                <a:endParaRPr lang="en-US" sz="3000" dirty="0" smtClean="0">
-                  <a:solidFill>
-                    <a:srgbClr val="4D4D4D"/>
-                  </a:solidFill>
-                  <a:latin typeface="+mj-lt"/>
-                </a:endParaRPr>
-              </a:p>
-            </p:txBody>
-          </p:sp>
-        </mc:Choice>
-        <mc:Fallback xmlns="">
-          <p:sp>
-            <p:nvSpPr>
-              <p:cNvPr id="16" name="TextBox 15"/>
-              <p:cNvSpPr txBox="1">
-                <a:spLocks noRot="1" noChangeAspect="1" noMove="1" noResize="1" noEditPoints="1" noAdjustHandles="1" noChangeArrowheads="1" noChangeShapeType="1" noTextEdit="1"/>
-              </p:cNvSpPr>
-              <p:nvPr/>
-            </p:nvSpPr>
-            <p:spPr>
-              <a:xfrm>
-                <a:off x="1076367" y="2725509"/>
-                <a:ext cx="3217997" cy="461665"/>
-              </a:xfrm>
-              <a:prstGeom prst="rect">
-                <a:avLst/>
-              </a:prstGeom>
-              <a:blipFill rotWithShape="0">
-                <a:blip r:embed="rId4"/>
-                <a:stretch>
-                  <a:fillRect/>
-                </a:stretch>
-              </a:blipFill>
-            </p:spPr>
-            <p:txBody>
-              <a:bodyPr/>
-              <a:lstStyle/>
-              <a:p>
-                <a:r>
-                  <a:rPr lang="en-US">
-                    <a:noFill/>
-                  </a:rPr>
-                  <a:t> </a:t>
-                </a:r>
-              </a:p>
-            </p:txBody>
-          </p:sp>
-        </mc:Fallback>
-      </mc:AlternateContent>
-      <mc:AlternateContent xmlns:mc="http://schemas.openxmlformats.org/markup-compatibility/2006" xmlns:a14="http://schemas.microsoft.com/office/drawing/2010/main">
-        <mc:Choice Requires="a14">
-          <p:sp>
-            <p:nvSpPr>
-              <p:cNvPr id="17" name="TextBox 16"/>
-              <p:cNvSpPr txBox="1"/>
-              <p:nvPr/>
-            </p:nvSpPr>
-            <p:spPr>
-              <a:xfrm>
-                <a:off x="1076366" y="4129297"/>
-                <a:ext cx="3308470" cy="461665"/>
-              </a:xfrm>
-              <a:prstGeom prst="rect">
-                <a:avLst/>
-              </a:prstGeom>
-              <a:noFill/>
-            </p:spPr>
-            <p:txBody>
-              <a:bodyPr wrap="none" lIns="0" tIns="0" rIns="0" bIns="0" rtlCol="0">
-                <a:spAutoFit/>
-              </a:bodyPr>
-              <a:lstStyle/>
-              <a:p>
-                <a:pPr/>
-                <a14:m>
-                  <m:oMathPara xmlns:m="http://schemas.openxmlformats.org/officeDocument/2006/math">
-                    <m:oMathParaPr>
-                      <m:jc m:val="centerGroup"/>
-                    </m:oMathParaPr>
-                    <m:oMath xmlns:m="http://schemas.openxmlformats.org/officeDocument/2006/math">
-                      <m:r>
-                        <a:rPr lang="en-US" sz="3000" b="0" i="1" smtClean="0">
-                          <a:solidFill>
-                            <a:srgbClr val="4D4D4D"/>
-                          </a:solidFill>
-                          <a:latin typeface="Cambria Math" panose="02040503050406030204" pitchFamily="18" charset="0"/>
-                        </a:rPr>
-                        <m:t>𝑅𝐿</m:t>
-                      </m:r>
-                      <m:r>
-                        <a:rPr lang="en-US" sz="3000" b="0" i="1" smtClean="0">
-                          <a:solidFill>
-                            <a:srgbClr val="4D4D4D"/>
-                          </a:solidFill>
-                          <a:latin typeface="Cambria Math" panose="02040503050406030204" pitchFamily="18" charset="0"/>
-                        </a:rPr>
-                        <m:t>=−10</m:t>
-                      </m:r>
-                      <m:func>
-                        <m:funcPr>
-                          <m:ctrlPr>
-                            <a:rPr lang="en-US" sz="3000" b="0" i="1" smtClean="0">
-                              <a:solidFill>
-                                <a:srgbClr val="4D4D4D"/>
-                              </a:solidFill>
-                              <a:latin typeface="Cambria Math" panose="02040503050406030204" pitchFamily="18" charset="0"/>
-                            </a:rPr>
-                          </m:ctrlPr>
-                        </m:funcPr>
-                        <m:fName>
-                          <m:r>
-                            <m:rPr>
-                              <m:sty m:val="p"/>
-                            </m:rPr>
-                            <a:rPr lang="en-US" sz="3000" b="0" i="0" smtClean="0">
-                              <a:solidFill>
-                                <a:srgbClr val="4D4D4D"/>
-                              </a:solidFill>
-                              <a:latin typeface="Cambria Math" panose="02040503050406030204" pitchFamily="18" charset="0"/>
-                            </a:rPr>
-                            <m:t>log</m:t>
-                          </m:r>
-                        </m:fName>
-                        <m:e>
-                          <m:sSup>
-                            <m:sSupPr>
-                              <m:ctrlPr>
-                                <a:rPr lang="en-US" sz="3000" b="0" i="1" smtClean="0">
-                                  <a:solidFill>
-                                    <a:srgbClr val="4D4D4D"/>
-                                  </a:solidFill>
-                                  <a:latin typeface="Cambria Math" panose="02040503050406030204" pitchFamily="18" charset="0"/>
-                                </a:rPr>
-                              </m:ctrlPr>
-                            </m:sSupPr>
-                            <m:e>
-                              <m:d>
-                                <m:dPr>
-                                  <m:begChr m:val="|"/>
-                                  <m:endChr m:val="|"/>
-                                  <m:ctrlPr>
-                                    <a:rPr lang="en-US" sz="3000" b="0" i="1" smtClean="0">
-                                      <a:solidFill>
-                                        <a:srgbClr val="4D4D4D"/>
-                                      </a:solidFill>
-                                      <a:latin typeface="Cambria Math" panose="02040503050406030204" pitchFamily="18" charset="0"/>
-                                    </a:rPr>
-                                  </m:ctrlPr>
-                                </m:dPr>
-                                <m:e>
-                                  <m:sSub>
-                                    <m:sSubPr>
-                                      <m:ctrlPr>
-                                        <a:rPr lang="en-US" sz="3000" b="0" i="1" smtClean="0">
-                                          <a:solidFill>
-                                            <a:srgbClr val="4D4D4D"/>
-                                          </a:solidFill>
-                                          <a:latin typeface="Cambria Math" panose="02040503050406030204" pitchFamily="18" charset="0"/>
-                                        </a:rPr>
-                                      </m:ctrlPr>
-                                    </m:sSubPr>
-                                    <m:e>
-                                      <m:r>
-                                        <a:rPr lang="en-US" sz="3000" b="0" i="1" smtClean="0">
-                                          <a:solidFill>
-                                            <a:srgbClr val="4D4D4D"/>
-                                          </a:solidFill>
-                                          <a:latin typeface="Cambria Math" panose="02040503050406030204" pitchFamily="18" charset="0"/>
-                                        </a:rPr>
-                                        <m:t>𝑆</m:t>
-                                      </m:r>
-                                    </m:e>
-                                    <m:sub>
-                                      <m:r>
-                                        <a:rPr lang="en-US" sz="3000" b="0" i="1" smtClean="0">
-                                          <a:solidFill>
-                                            <a:srgbClr val="4D4D4D"/>
-                                          </a:solidFill>
-                                          <a:latin typeface="Cambria Math" panose="02040503050406030204" pitchFamily="18" charset="0"/>
-                                        </a:rPr>
-                                        <m:t>11</m:t>
-                                      </m:r>
-                                    </m:sub>
-                                  </m:sSub>
-                                </m:e>
-                              </m:d>
-                            </m:e>
-                            <m:sup>
-                              <m:r>
-                                <a:rPr lang="en-US" sz="3000" b="0" i="1" smtClean="0">
-                                  <a:solidFill>
-                                    <a:srgbClr val="4D4D4D"/>
-                                  </a:solidFill>
-                                  <a:latin typeface="Cambria Math" panose="02040503050406030204" pitchFamily="18" charset="0"/>
-                                </a:rPr>
-                                <m:t>2</m:t>
-                              </m:r>
-                            </m:sup>
-                          </m:sSup>
-                        </m:e>
-                      </m:func>
-                    </m:oMath>
-                  </m:oMathPara>
-                </a14:m>
-                <a:endParaRPr lang="en-US" sz="3000" dirty="0" smtClean="0">
-                  <a:solidFill>
-                    <a:srgbClr val="4D4D4D"/>
-                  </a:solidFill>
-                  <a:latin typeface="+mj-lt"/>
-                </a:endParaRPr>
-              </a:p>
-            </p:txBody>
-          </p:sp>
-        </mc:Choice>
-        <mc:Fallback xmlns="">
-          <p:sp>
-            <p:nvSpPr>
-              <p:cNvPr id="17" name="TextBox 16"/>
-              <p:cNvSpPr txBox="1">
-                <a:spLocks noRot="1" noChangeAspect="1" noMove="1" noResize="1" noEditPoints="1" noAdjustHandles="1" noChangeArrowheads="1" noChangeShapeType="1" noTextEdit="1"/>
-              </p:cNvSpPr>
-              <p:nvPr/>
-            </p:nvSpPr>
-            <p:spPr>
-              <a:xfrm>
-                <a:off x="1076366" y="4129297"/>
-                <a:ext cx="3308470" cy="461665"/>
-              </a:xfrm>
-              <a:prstGeom prst="rect">
-                <a:avLst/>
-              </a:prstGeom>
-              <a:blipFill rotWithShape="0">
-                <a:blip r:embed="rId5"/>
-                <a:stretch>
-                  <a:fillRect/>
-                </a:stretch>
-              </a:blipFill>
-            </p:spPr>
-            <p:txBody>
-              <a:bodyPr/>
-              <a:lstStyle/>
-              <a:p>
-                <a:r>
-                  <a:rPr lang="en-US">
-                    <a:noFill/>
-                  </a:rPr>
-                  <a:t> </a:t>
-                </a:r>
-              </a:p>
-            </p:txBody>
-          </p:sp>
-        </mc:Fallback>
-      </mc:AlternateContent>
+      </p:pic>
+      <p:pic>
+        <p:nvPicPr>
+          <p:cNvPr id="8" name="Picture 7"/>
+          <p:cNvPicPr>
+            <a:picLocks noChangeAspect="1"/>
+          </p:cNvPicPr>
+          <p:nvPr>
+            <p:custDataLst>
+              <p:tags r:id="rId2"/>
+            </p:custDataLst>
+          </p:nvPr>
+        </p:nvPicPr>
+        <p:blipFill>
+          <a:blip r:embed="rId7" cstate="print">
+            <a:extLst>
+              <a:ext uri="{28A0092B-C50C-407E-A947-70E740481C1C}">
+                <a14:useLocalDpi xmlns:a14="http://schemas.microsoft.com/office/drawing/2010/main" val="0"/>
+              </a:ext>
+            </a:extLst>
+          </a:blip>
+          <a:stretch>
+            <a:fillRect/>
+          </a:stretch>
+        </p:blipFill>
+        <p:spPr>
+          <a:xfrm>
+            <a:off x="1033207" y="2639221"/>
+            <a:ext cx="3977640" cy="461772"/>
+          </a:xfrm>
+          <a:prstGeom prst="rect">
+            <a:avLst/>
+          </a:prstGeom>
+        </p:spPr>
+      </p:pic>
+      <p:pic>
+        <p:nvPicPr>
+          <p:cNvPr id="9" name="Picture 8"/>
+          <p:cNvPicPr>
+            <a:picLocks noChangeAspect="1"/>
+          </p:cNvPicPr>
+          <p:nvPr>
+            <p:custDataLst>
+              <p:tags r:id="rId3"/>
+            </p:custDataLst>
+          </p:nvPr>
+        </p:nvPicPr>
+        <p:blipFill>
+          <a:blip r:embed="rId8" cstate="print">
+            <a:extLst>
+              <a:ext uri="{28A0092B-C50C-407E-A947-70E740481C1C}">
+                <a14:useLocalDpi xmlns:a14="http://schemas.microsoft.com/office/drawing/2010/main" val="0"/>
+              </a:ext>
+            </a:extLst>
+          </a:blip>
+          <a:stretch>
+            <a:fillRect/>
+          </a:stretch>
+        </p:blipFill>
+        <p:spPr>
+          <a:xfrm>
+            <a:off x="987487" y="4064551"/>
+            <a:ext cx="4069080" cy="461772"/>
+          </a:xfrm>
+          <a:prstGeom prst="rect">
+            <a:avLst/>
+          </a:prstGeom>
+        </p:spPr>
+      </p:pic>
     </p:spTree>
     <p:extLst>
       <p:ext uri="{BB962C8B-B14F-4D97-AF65-F5344CB8AC3E}">
@@ -13197,6 +12681,36 @@
     </p:tnLst>
   </p:timing>
 </p:sld>
+</file>
+
+<file path=ppt/tags/tag1.xml><?xml version="1.0" encoding="utf-8"?>
+<p:tagLst xmlns:a="http://schemas.openxmlformats.org/drawingml/2006/main" xmlns:r="http://schemas.openxmlformats.org/officeDocument/2006/relationships" xmlns:p="http://schemas.openxmlformats.org/presentationml/2006/main">
+  <p:tag name="ORIGINALHEIGHT" val="151.5"/>
+  <p:tag name="ORIGINALWIDTH" val="1154.25"/>
+  <p:tag name="LATEXADDIN" val="\documentclass{article}&#10;\usepackage{amsmath}&#10;\pagestyle{empty}&#10;\begin{document}&#10;&#10;\[&#10;G = 10 \log \left| S_{21} \right|^2 \text{(dB)}&#10;\]&#10;&#10;&#10;\end{document}"/>
+  <p:tag name="IGUANATEXSIZE" val="30"/>
+  <p:tag name="IGUANATEXCURSOR" val="127"/>
+</p:tagLst>
+</file>
+
+<file path=ppt/tags/tag2.xml><?xml version="1.0" encoding="utf-8"?>
+<p:tagLst xmlns:a="http://schemas.openxmlformats.org/drawingml/2006/main" xmlns:r="http://schemas.openxmlformats.org/officeDocument/2006/relationships" xmlns:p="http://schemas.openxmlformats.org/presentationml/2006/main">
+  <p:tag name="ORIGINALHEIGHT" val="151.5"/>
+  <p:tag name="ORIGINALWIDTH" val="1305"/>
+  <p:tag name="LATEXADDIN" val="\documentclass{article}&#10;\usepackage{amsmath}&#10;\pagestyle{empty}&#10;\begin{document}&#10;&#10;\[&#10;IL = -10 \log \left| S_{21} \right|^2 \text{(dB)}&#10;\]&#10;&#10;&#10;\end{document}"/>
+  <p:tag name="IGUANATEXSIZE" val="30"/>
+  <p:tag name="IGUANATEXCURSOR" val="133"/>
+</p:tagLst>
+</file>
+
+<file path=ppt/tags/tag3.xml><?xml version="1.0" encoding="utf-8"?>
+<p:tagLst xmlns:a="http://schemas.openxmlformats.org/drawingml/2006/main" xmlns:r="http://schemas.openxmlformats.org/officeDocument/2006/relationships" xmlns:p="http://schemas.openxmlformats.org/presentationml/2006/main">
+  <p:tag name="ORIGINALHEIGHT" val="151.5"/>
+  <p:tag name="ORIGINALWIDTH" val="1335"/>
+  <p:tag name="LATEXADDIN" val="\documentclass{article}&#10;\usepackage{amsmath}&#10;\pagestyle{empty}&#10;\begin{document}&#10;&#10;\[&#10;RL = -10 \log \left| S_{11} \right|^2 \text{(dB)}&#10;\]&#10;&#10;&#10;\end{document}"/>
+  <p:tag name="IGUANATEXSIZE" val="30"/>
+  <p:tag name="IGUANATEXCURSOR" val="153"/>
+</p:tagLst>
 </file>
 
 <file path=ppt/theme/theme1.xml><?xml version="1.0" encoding="utf-8"?>

--- a/lectures/lec2/Lec2-BasicConcepts.pptx
+++ b/lectures/lec2/Lec2-BasicConcepts.pptx
@@ -216,6 +216,10 @@
 </p:cmAuthorLst>
 </file>
 
+<file path=ppt/revisionInfo.xml><?xml version="1.0" encoding="utf-8"?>
+<p1510:revInfo xmlns:a="http://schemas.openxmlformats.org/drawingml/2006/main" xmlns:r="http://schemas.openxmlformats.org/officeDocument/2006/relationships" xmlns:p1510="http://schemas.microsoft.com/office/powerpoint/2015/10/main"/>
+</file>
+
 <file path=ppt/comments/comment1.xml><?xml version="1.0" encoding="utf-8"?>
 <p:cmLst xmlns:a="http://schemas.openxmlformats.org/drawingml/2006/main" xmlns:r="http://schemas.openxmlformats.org/officeDocument/2006/relationships" xmlns:p="http://schemas.openxmlformats.org/presentationml/2006/main">
   <p:cm authorId="2" dt="2015-10-09T14:49:13.100" idx="3">
@@ -340,7 +344,7 @@
             <a:fld id="{F33530C9-BF13-40EE-A1EC-EBBB0134EBBA}" type="datetime1">
               <a:rPr lang="en-US"/>
               <a:pPr/>
-              <a:t>10/9/2015 Friday</a:t>
+              <a:t>10/7/2017</a:t>
             </a:fld>
             <a:endParaRPr lang="en-US"/>
           </a:p>
@@ -558,7 +562,7 @@
             <a:fld id="{7DD20F8F-B3A0-465C-A2C5-4272F8BE0711}" type="datetime1">
               <a:rPr lang="en-US"/>
               <a:pPr/>
-              <a:t>10/9/2015 Friday</a:t>
+              <a:t>10/7/2017</a:t>
             </a:fld>
             <a:endParaRPr lang="en-US"/>
           </a:p>
@@ -957,7 +961,7 @@
             <a:fld id="{7DD20F8F-B3A0-465C-A2C5-4272F8BE0711}" type="datetime1">
               <a:rPr lang="en-US" smtClean="0"/>
               <a:pPr/>
-              <a:t>10/9/2015 Friday</a:t>
+              <a:t>10/7/2017</a:t>
             </a:fld>
             <a:endParaRPr lang="en-US"/>
           </a:p>
@@ -1045,11 +1049,11 @@
           <a:lstStyle/>
           <a:p>
             <a:r>
-              <a:rPr lang="en-US" dirty="0" smtClean="0"/>
+              <a:rPr lang="en-US" dirty="0"/>
               <a:t>Add introduction</a:t>
             </a:r>
             <a:r>
-              <a:rPr lang="en-US" baseline="0" dirty="0" smtClean="0"/>
+              <a:rPr lang="en-US" baseline="0" dirty="0"/>
               <a:t> to ITU and FCC</a:t>
             </a:r>
             <a:endParaRPr lang="en-US" dirty="0"/>
@@ -1074,7 +1078,7 @@
             <a:fld id="{7DD20F8F-B3A0-465C-A2C5-4272F8BE0711}" type="datetime1">
               <a:rPr lang="en-US" smtClean="0"/>
               <a:pPr/>
-              <a:t>10/9/2015 Friday</a:t>
+              <a:t>10/7/2017</a:t>
             </a:fld>
             <a:endParaRPr lang="en-US"/>
           </a:p>
@@ -1183,7 +1187,7 @@
             <a:fld id="{7DD20F8F-B3A0-465C-A2C5-4272F8BE0711}" type="datetime1">
               <a:rPr lang="en-US" smtClean="0"/>
               <a:pPr/>
-              <a:t>10/9/2015 Friday</a:t>
+              <a:t>10/7/2017</a:t>
             </a:fld>
             <a:endParaRPr lang="en-US"/>
           </a:p>
@@ -1292,7 +1296,7 @@
             <a:fld id="{7DD20F8F-B3A0-465C-A2C5-4272F8BE0711}" type="datetime1">
               <a:rPr lang="en-US" smtClean="0"/>
               <a:pPr/>
-              <a:t>10/9/2015 Friday</a:t>
+              <a:t>10/7/2017</a:t>
             </a:fld>
             <a:endParaRPr lang="en-US"/>
           </a:p>
@@ -1377,10 +1381,9 @@
           </a:lstStyle>
           <a:p>
             <a:r>
-              <a:rPr lang="en-US" smtClean="0"/>
+              <a:rPr lang="en-US"/>
               <a:t>Click to edit Master title style</a:t>
             </a:r>
-            <a:endParaRPr lang="en-US"/>
           </a:p>
         </p:txBody>
       </p:sp>
@@ -1411,10 +1414,9 @@
           </a:lstStyle>
           <a:p>
             <a:r>
-              <a:rPr lang="en-US" smtClean="0"/>
+              <a:rPr lang="en-US"/>
               <a:t>Click to edit Master subtitle style</a:t>
             </a:r>
-            <a:endParaRPr lang="en-US"/>
           </a:p>
         </p:txBody>
       </p:sp>
@@ -1668,10 +1670,9 @@
           </a:lstStyle>
           <a:p>
             <a:r>
-              <a:rPr lang="en-US" smtClean="0"/>
+              <a:rPr lang="en-US"/>
               <a:t>Click to edit Master title style</a:t>
             </a:r>
-            <a:endParaRPr lang="en-US"/>
           </a:p>
         </p:txBody>
       </p:sp>
@@ -1702,10 +1703,9 @@
           </a:lstStyle>
           <a:p>
             <a:r>
-              <a:rPr lang="en-US" smtClean="0"/>
+              <a:rPr lang="en-US"/>
               <a:t>Click to edit Master subtitle style</a:t>
             </a:r>
-            <a:endParaRPr lang="en-US"/>
           </a:p>
         </p:txBody>
       </p:sp>
@@ -1777,10 +1777,9 @@
           <a:p>
             <a:pPr lvl="0"/>
             <a:r>
-              <a:rPr lang="en-US" dirty="0" smtClean="0"/>
+              <a:rPr lang="en-US" dirty="0"/>
               <a:t>Click to edit Master title</a:t>
             </a:r>
-            <a:endParaRPr lang="en-US" dirty="0"/>
           </a:p>
         </p:txBody>
       </p:sp>
@@ -1899,38 +1898,37 @@
           <a:p>
             <a:pPr lvl="0"/>
             <a:r>
-              <a:rPr lang="en-US" dirty="0" smtClean="0"/>
+              <a:rPr lang="en-US" dirty="0"/>
               <a:t>Click to edit Master text styles</a:t>
             </a:r>
           </a:p>
           <a:p>
             <a:pPr lvl="1"/>
             <a:r>
-              <a:rPr lang="en-US" dirty="0" smtClean="0"/>
+              <a:rPr lang="en-US" dirty="0"/>
               <a:t>Second level</a:t>
             </a:r>
           </a:p>
           <a:p>
             <a:pPr lvl="2"/>
             <a:r>
-              <a:rPr lang="en-US" dirty="0" smtClean="0"/>
+              <a:rPr lang="en-US" dirty="0"/>
               <a:t>Third level</a:t>
             </a:r>
           </a:p>
           <a:p>
             <a:pPr lvl="3"/>
             <a:r>
-              <a:rPr lang="en-US" dirty="0" smtClean="0"/>
+              <a:rPr lang="en-US" dirty="0"/>
               <a:t>Fourth level</a:t>
             </a:r>
           </a:p>
           <a:p>
             <a:pPr lvl="4"/>
             <a:r>
-              <a:rPr lang="en-US" dirty="0" smtClean="0"/>
+              <a:rPr lang="en-US" dirty="0"/>
               <a:t>Fifth level</a:t>
             </a:r>
-            <a:endParaRPr lang="en-US" dirty="0"/>
           </a:p>
         </p:txBody>
       </p:sp>
@@ -1939,13 +1937,6 @@
   <p:clrMapOvr>
     <a:masterClrMapping/>
   </p:clrMapOvr>
-  <p:timing>
-    <p:tnLst>
-      <p:par>
-        <p:cTn id="1" dur="indefinite" restart="never" nodeType="tmRoot"/>
-      </p:par>
-    </p:tnLst>
-  </p:timing>
 </p:sldLayout>
 </file>
 
@@ -2052,7 +2043,7 @@
           </a:lstStyle>
           <a:p>
             <a:pPr lvl="0"/>
-            <a:endParaRPr lang="en-US" dirty="0" smtClean="0"/>
+            <a:endParaRPr lang="en-US" dirty="0"/>
           </a:p>
         </p:txBody>
       </p:sp>
@@ -2126,10 +2117,9 @@
           <a:p>
             <a:pPr lvl="0"/>
             <a:r>
-              <a:rPr lang="en-US" dirty="0" smtClean="0"/>
+              <a:rPr lang="en-US" dirty="0"/>
               <a:t>Click to edit Master title</a:t>
             </a:r>
-            <a:endParaRPr lang="en-US" dirty="0"/>
           </a:p>
         </p:txBody>
       </p:sp>
@@ -2169,38 +2159,37 @@
           <a:p>
             <a:pPr lvl="0"/>
             <a:r>
-              <a:rPr lang="en-US" dirty="0" smtClean="0"/>
+              <a:rPr lang="en-US" dirty="0"/>
               <a:t> Click to edit Master text styles</a:t>
             </a:r>
           </a:p>
           <a:p>
             <a:pPr lvl="1"/>
             <a:r>
-              <a:rPr lang="en-US" dirty="0" smtClean="0"/>
+              <a:rPr lang="en-US" dirty="0"/>
               <a:t>Second level</a:t>
             </a:r>
           </a:p>
           <a:p>
             <a:pPr lvl="2"/>
             <a:r>
-              <a:rPr lang="en-US" dirty="0" smtClean="0"/>
+              <a:rPr lang="en-US" dirty="0"/>
               <a:t>Third level</a:t>
             </a:r>
           </a:p>
           <a:p>
             <a:pPr lvl="3"/>
             <a:r>
-              <a:rPr lang="en-US" dirty="0" smtClean="0"/>
+              <a:rPr lang="en-US" dirty="0"/>
               <a:t>Fourth level</a:t>
             </a:r>
           </a:p>
           <a:p>
             <a:pPr lvl="4"/>
             <a:r>
-              <a:rPr lang="en-US" dirty="0" smtClean="0"/>
+              <a:rPr lang="en-US" dirty="0"/>
               <a:t>Fifth level</a:t>
             </a:r>
-            <a:endParaRPr lang="en-US" dirty="0"/>
           </a:p>
         </p:txBody>
       </p:sp>
@@ -2287,13 +2276,6 @@
     <p:sldLayoutId id="2147483650" r:id="rId3"/>
     <p:sldLayoutId id="2147483651" r:id="rId4"/>
   </p:sldLayoutIdLst>
-  <p:timing>
-    <p:tnLst>
-      <p:par>
-        <p:cTn id="1" dur="indefinite" restart="never" nodeType="tmRoot"/>
-      </p:par>
-    </p:tnLst>
-  </p:timing>
   <p:hf hdr="0" ftr="0" dt="0"/>
   <p:txStyles>
     <p:titleStyle>
@@ -2766,7 +2748,7 @@
                 <a:latin typeface="Kalinga" panose="020B0502040204020203" pitchFamily="34" charset="0"/>
                 <a:cs typeface="Kalinga" panose="020B0502040204020203" pitchFamily="34" charset="0"/>
               </a:rPr>
-              <a:t>Assistant Professor</a:t>
+              <a:t>Associate Professor</a:t>
             </a:r>
           </a:p>
           <a:p>
@@ -2817,25 +2799,8 @@
                 <a:latin typeface="Kalinga" panose="020B0502040204020203" pitchFamily="34" charset="0"/>
                 <a:cs typeface="Kalinga" panose="020B0502040204020203" pitchFamily="34" charset="0"/>
               </a:rPr>
-              <a:t>Tel: </a:t>
-            </a:r>
-            <a:r>
-              <a:rPr lang="en-US" sz="2000" dirty="0" smtClean="0">
-                <a:solidFill>
-                  <a:schemeClr val="bg1"/>
-                </a:solidFill>
-                <a:latin typeface="Kalinga" panose="020B0502040204020203" pitchFamily="34" charset="0"/>
-                <a:cs typeface="Kalinga" panose="020B0502040204020203" pitchFamily="34" charset="0"/>
-              </a:rPr>
-              <a:t>530-289-6367</a:t>
-            </a:r>
-            <a:endParaRPr lang="en-US" sz="2000" dirty="0">
-              <a:solidFill>
-                <a:schemeClr val="bg1"/>
-              </a:solidFill>
-              <a:latin typeface="Kalinga" panose="020B0502040204020203" pitchFamily="34" charset="0"/>
-              <a:cs typeface="Kalinga" panose="020B0502040204020203" pitchFamily="34" charset="0"/>
-            </a:endParaRPr>
+              <a:t>Tel: 530-289-6367</a:t>
+            </a:r>
           </a:p>
           <a:p>
             <a:endParaRPr lang="en-US" sz="500" dirty="0">
@@ -2888,21 +2853,7 @@
                 <a:cs typeface="Kalinga" panose="020B0502040204020203" pitchFamily="34" charset="0"/>
                 <a:hlinkClick r:id="rId4"/>
               </a:rPr>
-              <a:t>http://</a:t>
-            </a:r>
-            <a:r>
-              <a:rPr lang="en-US" sz="2000" dirty="0" smtClean="0">
-                <a:solidFill>
-                  <a:schemeClr val="bg1">
-                    <a:lumMod val="75000"/>
-                    <a:lumOff val="25000"/>
-                  </a:schemeClr>
-                </a:solidFill>
-                <a:latin typeface="Kalinga" panose="020B0502040204020203" pitchFamily="34" charset="0"/>
-                <a:cs typeface="Kalinga" panose="020B0502040204020203" pitchFamily="34" charset="0"/>
-                <a:hlinkClick r:id="rId4"/>
-              </a:rPr>
-              <a:t>ucdart.net</a:t>
+              <a:t>http://ucdart.net</a:t>
             </a:r>
             <a:endParaRPr lang="en-US" sz="2000" dirty="0">
               <a:solidFill>
@@ -2940,14 +2891,11 @@
           <a:lstStyle/>
           <a:p>
             <a:r>
-              <a:rPr lang="en-US" dirty="0" smtClean="0">
+              <a:rPr lang="en-US" dirty="0">
                 <a:latin typeface="Franklin Gothic Demi" panose="020B0703020102020204" pitchFamily="34" charset="0"/>
               </a:rPr>
               <a:t>Design of RF &amp; Microwave Systems</a:t>
             </a:r>
-            <a:endParaRPr lang="en-US" dirty="0">
-              <a:latin typeface="Franklin Gothic Demi" panose="020B0703020102020204" pitchFamily="34" charset="0"/>
-            </a:endParaRPr>
           </a:p>
         </p:txBody>
       </p:sp>
@@ -2972,18 +2920,13 @@
           <a:lstStyle/>
           <a:p>
             <a:r>
-              <a:rPr lang="en-US" sz="2400" b="1" dirty="0" smtClean="0">
+              <a:rPr lang="en-US" sz="2400" b="1" dirty="0">
                 <a:solidFill>
                   <a:srgbClr val="BF9900"/>
                 </a:solidFill>
               </a:rPr>
               <a:t>EEC 134 A&amp;B</a:t>
             </a:r>
-            <a:endParaRPr lang="en-US" sz="2400" b="1" dirty="0">
-              <a:solidFill>
-                <a:srgbClr val="BF9900"/>
-              </a:solidFill>
-            </a:endParaRPr>
           </a:p>
         </p:txBody>
       </p:sp>
@@ -3025,23 +2968,8 @@
                 </a:solidFill>
                 <a:latin typeface="Myriad Pro" panose="020B0503030403020204" pitchFamily="34" charset="0"/>
               </a:rPr>
-              <a:t>Lecture 2</a:t>
-            </a:r>
-            <a:r>
-              <a:rPr lang="en-US" sz="3200" dirty="0" smtClean="0">
-                <a:solidFill>
-                  <a:srgbClr val="091D58"/>
-                </a:solidFill>
-                <a:latin typeface="Myriad Pro" panose="020B0503030403020204" pitchFamily="34" charset="0"/>
-              </a:rPr>
-              <a:t>: 	Basics Concepts</a:t>
-            </a:r>
-            <a:endParaRPr lang="en-US" sz="3200" dirty="0">
-              <a:solidFill>
-                <a:srgbClr val="091D58"/>
-              </a:solidFill>
-              <a:latin typeface="Myriad Pro" panose="020B0503030403020204" pitchFamily="34" charset="0"/>
-            </a:endParaRPr>
+              <a:t>Lecture 2: 	Basics Concepts</a:t>
+            </a:r>
           </a:p>
         </p:txBody>
       </p:sp>
@@ -3050,13 +2978,6 @@
   <p:clrMapOvr>
     <a:masterClrMapping/>
   </p:clrMapOvr>
-  <p:timing>
-    <p:tnLst>
-      <p:par>
-        <p:cTn id="1" dur="indefinite" restart="never" nodeType="tmRoot"/>
-      </p:par>
-    </p:tnLst>
-  </p:timing>
 </p:sld>
 </file>
 
@@ -3100,10 +3021,9 @@
           <a:lstStyle/>
           <a:p>
             <a:r>
-              <a:rPr lang="en-US" dirty="0" smtClean="0"/>
+              <a:rPr lang="en-US" dirty="0"/>
               <a:t>Units in RF Systems – A Simple Example</a:t>
             </a:r>
-            <a:endParaRPr lang="en-US" dirty="0"/>
           </a:p>
         </p:txBody>
       </p:sp>
@@ -3192,7 +3112,7 @@
                 <a:buNone/>
                 <a:tabLst/>
               </a:pPr>
-              <a:endParaRPr kumimoji="0" lang="en-US" sz="2400" b="0" i="0" u="none" strike="noStrike" cap="none" normalizeH="0" baseline="0" smtClean="0">
+              <a:endParaRPr kumimoji="0" lang="en-US" sz="2400" b="0" i="0" u="none" strike="noStrike" cap="none" normalizeH="0" baseline="0">
                 <a:ln>
                   <a:noFill/>
                 </a:ln>
@@ -3305,7 +3225,7 @@
           <a:lstStyle/>
           <a:p>
             <a:r>
-              <a:rPr lang="en-US" sz="3000" dirty="0" smtClean="0">
+              <a:rPr lang="en-US" sz="3000" dirty="0">
                 <a:solidFill>
                   <a:schemeClr val="bg1"/>
                 </a:solidFill>
@@ -3339,7 +3259,7 @@
           <a:lstStyle/>
           <a:p>
             <a:r>
-              <a:rPr lang="en-US" sz="3000" dirty="0" smtClean="0">
+              <a:rPr lang="en-US" sz="3000" dirty="0">
                 <a:solidFill>
                   <a:schemeClr val="bg1"/>
                 </a:solidFill>
@@ -3400,7 +3320,7 @@
               <a:defRPr/>
             </a:pPr>
             <a:r>
-              <a:rPr kumimoji="0" lang="en-US" altLang="zh-CN" sz="1800" u="none" strike="noStrike" kern="0" cap="none" spc="0" normalizeH="0" baseline="0" noProof="0" dirty="0" smtClean="0">
+              <a:rPr kumimoji="0" lang="en-US" altLang="zh-CN" sz="1800" u="none" strike="noStrike" kern="0" cap="none" spc="0" normalizeH="0" baseline="0" noProof="0" dirty="0">
                 <a:ln>
                   <a:noFill/>
                 </a:ln>
@@ -3417,7 +3337,7 @@
               <a:t>Only holds when the input and output impedance are </a:t>
             </a:r>
             <a:r>
-              <a:rPr kumimoji="0" lang="en-US" altLang="zh-CN" sz="1800" b="1" u="none" strike="noStrike" kern="0" cap="none" spc="0" normalizeH="0" baseline="0" noProof="0" dirty="0" smtClean="0">
+              <a:rPr kumimoji="0" lang="en-US" altLang="zh-CN" sz="1800" b="1" u="none" strike="noStrike" kern="0" cap="none" spc="0" normalizeH="0" baseline="0" noProof="0" dirty="0">
                 <a:ln>
                   <a:noFill/>
                 </a:ln>
@@ -3444,7 +3364,7 @@
               <a:t>!</a:t>
             </a:r>
             <a:r>
-              <a:rPr kumimoji="0" lang="en-US" altLang="zh-CN" sz="1800" u="none" strike="noStrike" kern="0" cap="none" spc="0" normalizeH="0" baseline="0" noProof="0" dirty="0" smtClean="0">
+              <a:rPr kumimoji="0" lang="en-US" altLang="zh-CN" sz="1800" u="none" strike="noStrike" kern="0" cap="none" spc="0" normalizeH="0" baseline="0" noProof="0" dirty="0">
                 <a:ln>
                   <a:noFill/>
                 </a:ln>
@@ -3486,7 +3406,7 @@
           <a:lstStyle/>
           <a:p>
             <a:r>
-              <a:rPr lang="en-US" sz="3000" i="1" dirty="0" smtClean="0">
+              <a:rPr lang="en-US" sz="3000" i="1" dirty="0">
                 <a:solidFill>
                   <a:srgbClr val="0070C0"/>
                 </a:solidFill>
@@ -3495,7 +3415,7 @@
               <a:t>P</a:t>
             </a:r>
             <a:r>
-              <a:rPr lang="en-US" sz="3000" i="1" baseline="-25000" dirty="0" smtClean="0">
+              <a:rPr lang="en-US" sz="3000" i="1" baseline="-25000" dirty="0">
                 <a:solidFill>
                   <a:srgbClr val="0070C0"/>
                 </a:solidFill>
@@ -3529,7 +3449,7 @@
           <a:lstStyle/>
           <a:p>
             <a:r>
-              <a:rPr lang="en-US" sz="3000" i="1" dirty="0" smtClean="0">
+              <a:rPr lang="en-US" sz="3000" i="1" dirty="0">
                 <a:solidFill>
                   <a:srgbClr val="0070C0"/>
                 </a:solidFill>
@@ -3538,7 +3458,7 @@
               <a:t>P</a:t>
             </a:r>
             <a:r>
-              <a:rPr lang="en-US" sz="3000" i="1" baseline="-25000" dirty="0" smtClean="0">
+              <a:rPr lang="en-US" sz="3000" i="1" baseline="-25000" dirty="0">
                 <a:solidFill>
                   <a:srgbClr val="0070C0"/>
                 </a:solidFill>
@@ -3567,7 +3487,7 @@
           <a:graphicData uri="http://schemas.openxmlformats.org/presentationml/2006/ole">
             <mc:AlternateContent xmlns:mc="http://schemas.openxmlformats.org/markup-compatibility/2006">
               <mc:Choice xmlns:v="urn:schemas-microsoft-com:vml" Requires="v">
-                <p:oleObj spid="_x0000_s1037" name="Equation" r:id="rId3" imgW="1574640" imgH="1346040" progId="Equation.DSMT4">
+                <p:oleObj spid="_x0000_s1038" name="Equation" r:id="rId3" imgW="1574640" imgH="1346040" progId="Equation.DSMT4">
                   <p:embed/>
                 </p:oleObj>
               </mc:Choice>
@@ -3612,14 +3532,6 @@
   <p:clrMapOvr>
     <a:masterClrMapping/>
   </p:clrMapOvr>
-  <mc:AlternateContent xmlns:mc="http://schemas.openxmlformats.org/markup-compatibility/2006" xmlns:p14="http://schemas.microsoft.com/office/powerpoint/2010/main">
-    <mc:Choice Requires="p14">
-      <p:transition spd="slow" p14:dur="2000"/>
-    </mc:Choice>
-    <mc:Fallback xmlns="">
-      <p:transition spd="slow"/>
-    </mc:Fallback>
-  </mc:AlternateContent>
   <p:timing>
     <p:tnLst>
       <p:par>
@@ -3737,13 +3649,8 @@
           <a:p>
             <a:r>
               <a:rPr lang="en-US" dirty="0"/>
-              <a:t>Units in RF </a:t>
-            </a:r>
-            <a:r>
-              <a:rPr lang="en-US" dirty="0" smtClean="0"/>
-              <a:t>Systems</a:t>
-            </a:r>
-            <a:endParaRPr lang="en-US" dirty="0"/>
+              <a:t>Units in RF Systems</a:t>
+            </a:r>
           </a:p>
         </p:txBody>
       </p:sp>
@@ -3793,7 +3700,7 @@
               <a:defRPr/>
             </a:pPr>
             <a:r>
-              <a:rPr kumimoji="0" lang="en-US" altLang="zh-CN" sz="2800" i="0" u="none" strike="noStrike" kern="0" cap="none" spc="0" normalizeH="0" baseline="0" noProof="0" dirty="0" smtClean="0">
+              <a:rPr kumimoji="0" lang="en-US" altLang="zh-CN" sz="2800" i="0" u="none" strike="noStrike" kern="0" cap="none" spc="0" normalizeH="0" baseline="0" noProof="0" dirty="0">
                 <a:ln>
                   <a:noFill/>
                 </a:ln>
@@ -3804,10 +3711,10 @@
               <a:t> Quick calculation</a:t>
             </a:r>
             <a:r>
-              <a:rPr lang="en-US" altLang="zh-CN" sz="2800" dirty="0" smtClean="0"/>
+              <a:rPr lang="en-US" altLang="zh-CN" sz="2800" dirty="0"/>
               <a:t>s:</a:t>
             </a:r>
-            <a:endParaRPr kumimoji="0" lang="en-US" altLang="zh-CN" sz="2800" i="0" u="none" strike="noStrike" kern="0" cap="none" spc="0" normalizeH="0" baseline="0" noProof="0" dirty="0" smtClean="0">
+            <a:endParaRPr kumimoji="0" lang="en-US" altLang="zh-CN" sz="2800" i="0" u="none" strike="noStrike" kern="0" cap="none" spc="0" normalizeH="0" baseline="0" noProof="0" dirty="0">
               <a:ln>
                 <a:noFill/>
               </a:ln>
@@ -3825,58 +3732,26 @@
               <a:buChar char="•"/>
             </a:pPr>
             <a:r>
-              <a:rPr lang="en-US" sz="2400" dirty="0" smtClean="0">
-                <a:solidFill>
-                  <a:srgbClr val="091D58"/>
-                </a:solidFill>
-              </a:rPr>
-              <a:t>2 </a:t>
-            </a:r>
-            <a:r>
-              <a:rPr lang="en-US" sz="2400" dirty="0" smtClean="0">
-                <a:solidFill>
-                  <a:srgbClr val="091D58"/>
-                </a:solidFill>
-              </a:rPr>
-              <a:t>× ≈ +3 dB </a:t>
-            </a:r>
-          </a:p>
-          <a:p>
-            <a:pPr lvl="1">
-              <a:buFont typeface="Arial" pitchFamily="34" charset="0"/>
-              <a:buChar char="•"/>
-            </a:pPr>
-            <a:r>
-              <a:rPr lang="en-US" sz="2400" dirty="0" smtClean="0">
-                <a:solidFill>
-                  <a:srgbClr val="091D58"/>
-                </a:solidFill>
-              </a:rPr>
-              <a:t>0.5 </a:t>
-            </a:r>
-            <a:r>
-              <a:rPr lang="en-US" sz="2400" dirty="0" smtClean="0">
-                <a:solidFill>
-                  <a:srgbClr val="091D58"/>
-                </a:solidFill>
-              </a:rPr>
-              <a:t>× </a:t>
-            </a:r>
-            <a:r>
               <a:rPr lang="en-US" sz="2400" dirty="0">
                 <a:solidFill>
                   <a:srgbClr val="091D58"/>
                 </a:solidFill>
               </a:rPr>
-              <a:t>≈ </a:t>
-            </a:r>
-            <a:r>
-              <a:rPr lang="en-US" sz="2400" dirty="0" smtClean="0">
+              <a:t>2 × ≈ +3 dB </a:t>
+            </a:r>
+          </a:p>
+          <a:p>
+            <a:pPr lvl="1">
+              <a:buFont typeface="Arial" pitchFamily="34" charset="0"/>
+              <a:buChar char="•"/>
+            </a:pPr>
+            <a:r>
+              <a:rPr lang="en-US" sz="2400" dirty="0">
                 <a:solidFill>
                   <a:srgbClr val="091D58"/>
                 </a:solidFill>
               </a:rPr>
-              <a:t>-3 dB</a:t>
+              <a:t>0.5 × ≈ -3 dB</a:t>
             </a:r>
           </a:p>
           <a:p>
@@ -3893,7 +3768,7 @@
               <a:t>4</a:t>
             </a:r>
             <a:r>
-              <a:rPr kumimoji="0" lang="en-US" altLang="zh-CN" sz="2400" u="none" strike="noStrike" kern="0" cap="none" spc="0" normalizeH="0" baseline="0" noProof="0" dirty="0" smtClean="0">
+              <a:rPr kumimoji="0" lang="en-US" altLang="zh-CN" sz="2400" u="none" strike="noStrike" kern="0" cap="none" spc="0" normalizeH="0" baseline="0" noProof="0" dirty="0">
                 <a:ln>
                   <a:noFill/>
                 </a:ln>
@@ -3913,7 +3788,7 @@
               <a:buChar char="•"/>
             </a:pPr>
             <a:r>
-              <a:rPr lang="en-US" altLang="zh-CN" sz="2400" dirty="0" smtClean="0">
+              <a:rPr lang="en-US" altLang="zh-CN" sz="2400" dirty="0">
                 <a:solidFill>
                   <a:srgbClr val="091D58"/>
                 </a:solidFill>
@@ -3927,7 +3802,7 @@
               <a:buChar char="•"/>
             </a:pPr>
             <a:r>
-              <a:rPr kumimoji="0" lang="en-US" altLang="zh-CN" sz="2400" u="none" strike="noStrike" kern="0" cap="none" spc="0" normalizeH="0" baseline="0" noProof="0" dirty="0" smtClean="0">
+              <a:rPr kumimoji="0" lang="en-US" altLang="zh-CN" sz="2400" u="none" strike="noStrike" kern="0" cap="none" spc="0" normalizeH="0" baseline="0" noProof="0" dirty="0">
                 <a:ln>
                   <a:noFill/>
                 </a:ln>
@@ -3947,14 +3822,14 @@
               <a:buChar char="•"/>
             </a:pPr>
             <a:r>
-              <a:rPr lang="en-US" altLang="zh-CN" sz="2400" dirty="0" smtClean="0">
+              <a:rPr lang="en-US" altLang="zh-CN" sz="2400" dirty="0">
                 <a:solidFill>
                   <a:srgbClr val="091D58"/>
                 </a:solidFill>
               </a:rPr>
               <a:t>100 × ≈ 20 dB</a:t>
             </a:r>
-            <a:endParaRPr kumimoji="0" lang="en-US" altLang="zh-CN" sz="2400" u="none" strike="noStrike" kern="0" cap="none" spc="0" normalizeH="0" baseline="0" noProof="0" dirty="0" smtClean="0">
+            <a:endParaRPr kumimoji="0" lang="en-US" altLang="zh-CN" sz="2400" u="none" strike="noStrike" kern="0" cap="none" spc="0" normalizeH="0" baseline="0" noProof="0" dirty="0">
               <a:ln>
                 <a:noFill/>
               </a:ln>
@@ -3972,7 +3847,7 @@
               <a:buChar char="•"/>
             </a:pPr>
             <a:r>
-              <a:rPr lang="en-US" altLang="zh-CN" sz="2800" dirty="0" smtClean="0"/>
+              <a:rPr lang="en-US" altLang="zh-CN" sz="2800" dirty="0"/>
               <a:t>Why do we want to use dB?</a:t>
             </a:r>
           </a:p>
@@ -3982,10 +3857,9 @@
               <a:buChar char="•"/>
             </a:pPr>
             <a:r>
-              <a:rPr lang="en-US" altLang="zh-CN" sz="2600" dirty="0" smtClean="0"/>
+              <a:rPr lang="en-US" altLang="zh-CN" sz="2600" dirty="0"/>
               <a:t>Log scale converts multiplication to addition/subtraction </a:t>
             </a:r>
-            <a:endParaRPr lang="en-US" altLang="zh-CN" sz="2600" dirty="0"/>
           </a:p>
         </p:txBody>
       </p:sp>
@@ -4039,7 +3913,7 @@
               <a:defRPr/>
             </a:pPr>
             <a:r>
-              <a:rPr kumimoji="0" lang="en-US" altLang="zh-CN" sz="2800" u="none" strike="noStrike" kern="0" cap="none" spc="0" normalizeH="0" baseline="0" noProof="0" dirty="0" smtClean="0">
+              <a:rPr kumimoji="0" lang="en-US" altLang="zh-CN" sz="2800" u="none" strike="noStrike" kern="0" cap="none" spc="0" normalizeH="0" baseline="0" noProof="0" dirty="0">
                 <a:ln>
                   <a:noFill/>
                 </a:ln>
@@ -4073,7 +3947,7 @@
               <a:defRPr/>
             </a:pPr>
             <a:r>
-              <a:rPr kumimoji="0" lang="en-US" altLang="zh-CN" sz="2800" u="none" strike="noStrike" kern="0" cap="none" spc="0" normalizeH="0" baseline="0" noProof="0" dirty="0" smtClean="0">
+              <a:rPr kumimoji="0" lang="en-US" altLang="zh-CN" sz="2800" u="none" strike="noStrike" kern="0" cap="none" spc="0" normalizeH="0" baseline="0" noProof="0" dirty="0">
                 <a:ln>
                   <a:noFill/>
                 </a:ln>
@@ -4090,7 +3964,7 @@
               <a:t>10log2</a:t>
             </a:r>
             <a:r>
-              <a:rPr kumimoji="0" lang="en-US" altLang="zh-CN" sz="2800" u="none" strike="noStrike" kern="0" cap="none" spc="0" normalizeH="0" noProof="0" dirty="0" smtClean="0">
+              <a:rPr kumimoji="0" lang="en-US" altLang="zh-CN" sz="2800" u="none" strike="noStrike" kern="0" cap="none" spc="0" normalizeH="0" noProof="0" dirty="0">
                 <a:ln>
                   <a:noFill/>
                 </a:ln>
@@ -4131,19 +4005,9 @@
                 <a:latin typeface="+mn-lt"/>
                 <a:ea typeface="宋体" pitchFamily="-128" charset="-122"/>
               </a:rPr>
-              <a:t> </a:t>
-            </a:r>
-            <a:r>
-              <a:rPr lang="en-US" altLang="zh-CN" sz="2800" kern="0" dirty="0" smtClean="0">
-                <a:solidFill>
-                  <a:srgbClr val="FF0000"/>
-                </a:solidFill>
-                <a:latin typeface="+mn-lt"/>
-                <a:ea typeface="宋体" pitchFamily="-128" charset="-122"/>
-              </a:rPr>
-              <a:t>not exactly 3 dB</a:t>
-            </a:r>
-            <a:endParaRPr kumimoji="0" lang="en-US" altLang="zh-CN" sz="2800" u="none" strike="noStrike" kern="0" cap="none" spc="0" normalizeH="0" noProof="0" dirty="0" smtClean="0">
+              <a:t> not exactly 3 dB</a:t>
+            </a:r>
+            <a:endParaRPr kumimoji="0" lang="en-US" altLang="zh-CN" sz="2800" u="none" strike="noStrike" kern="0" cap="none" spc="0" normalizeH="0" noProof="0" dirty="0">
               <a:ln>
                 <a:noFill/>
               </a:ln>
@@ -4675,10 +4539,9 @@
           <a:lstStyle/>
           <a:p>
             <a:r>
-              <a:rPr lang="en-US" dirty="0" smtClean="0"/>
+              <a:rPr lang="en-US" dirty="0"/>
               <a:t>Units in RF Systems</a:t>
             </a:r>
-            <a:endParaRPr lang="en-US" dirty="0"/>
           </a:p>
         </p:txBody>
       </p:sp>
@@ -4698,18 +4561,18 @@
           <a:lstStyle/>
           <a:p>
             <a:r>
-              <a:rPr lang="en-US" sz="2800" dirty="0" smtClean="0"/>
+              <a:rPr lang="en-US" sz="2800" dirty="0"/>
               <a:t> dBm</a:t>
             </a:r>
           </a:p>
           <a:p>
             <a:pPr lvl="1"/>
             <a:r>
-              <a:rPr lang="en-US" sz="2400" dirty="0" smtClean="0"/>
+              <a:rPr lang="en-US" sz="2400" dirty="0"/>
               <a:t>Power relative to </a:t>
             </a:r>
             <a:r>
-              <a:rPr lang="en-US" sz="2400" dirty="0" smtClean="0">
+              <a:rPr lang="en-US" sz="2400" dirty="0">
                 <a:solidFill>
                   <a:srgbClr val="FF0000"/>
                 </a:solidFill>
@@ -4717,96 +4580,96 @@
               <a:t>1mW</a:t>
             </a:r>
             <a:r>
-              <a:rPr lang="en-US" sz="2400" dirty="0" smtClean="0"/>
+              <a:rPr lang="en-US" sz="2400" dirty="0"/>
               <a:t> in dB scale</a:t>
             </a:r>
           </a:p>
           <a:p>
             <a:pPr lvl="1"/>
-            <a:endParaRPr lang="en-US" sz="2400" dirty="0" smtClean="0"/>
+            <a:endParaRPr lang="en-US" sz="2400" dirty="0"/>
           </a:p>
           <a:p>
             <a:pPr lvl="1"/>
-            <a:endParaRPr lang="en-US" sz="2400" dirty="0" smtClean="0"/>
+            <a:endParaRPr lang="en-US" sz="2400" dirty="0"/>
           </a:p>
           <a:p>
             <a:pPr lvl="1"/>
-            <a:endParaRPr lang="en-US" sz="2400" dirty="0" smtClean="0"/>
+            <a:endParaRPr lang="en-US" sz="2400" dirty="0"/>
           </a:p>
           <a:p>
             <a:pPr lvl="1"/>
             <a:r>
-              <a:rPr lang="en-US" sz="2400" dirty="0" smtClean="0"/>
+              <a:rPr lang="en-US" sz="2400" dirty="0"/>
               <a:t>Examples:</a:t>
             </a:r>
           </a:p>
           <a:p>
             <a:pPr lvl="2"/>
             <a:r>
-              <a:rPr lang="en-US" sz="2000" dirty="0" smtClean="0"/>
+              <a:rPr lang="en-US" sz="2000" dirty="0"/>
               <a:t>10 </a:t>
             </a:r>
             <a:r>
-              <a:rPr lang="en-US" sz="2000" dirty="0" err="1" smtClean="0"/>
+              <a:rPr lang="en-US" sz="2000" dirty="0" err="1"/>
               <a:t>mW</a:t>
             </a:r>
             <a:r>
-              <a:rPr lang="en-US" sz="2000" dirty="0" smtClean="0"/>
+              <a:rPr lang="en-US" sz="2000" dirty="0"/>
               <a:t> = 10 dBm</a:t>
             </a:r>
           </a:p>
           <a:p>
             <a:pPr lvl="2"/>
             <a:r>
-              <a:rPr lang="en-US" sz="2000" dirty="0" smtClean="0"/>
+              <a:rPr lang="en-US" sz="2000" dirty="0"/>
               <a:t> 0 dBm = 1 </a:t>
             </a:r>
             <a:r>
-              <a:rPr lang="en-US" sz="2000" dirty="0" err="1" smtClean="0"/>
+              <a:rPr lang="en-US" sz="2000" dirty="0" err="1"/>
               <a:t>mW</a:t>
             </a:r>
-            <a:endParaRPr lang="en-US" sz="2000" dirty="0" smtClean="0"/>
+            <a:endParaRPr lang="en-US" sz="2000" dirty="0"/>
           </a:p>
           <a:p>
             <a:pPr lvl="2"/>
             <a:r>
-              <a:rPr lang="en-US" sz="2000" dirty="0" smtClean="0"/>
+              <a:rPr lang="en-US" sz="2000" dirty="0"/>
               <a:t> 30 dBm = ? </a:t>
             </a:r>
           </a:p>
           <a:p>
             <a:r>
-              <a:rPr lang="en-US" sz="2400" dirty="0" smtClean="0"/>
+              <a:rPr lang="en-US" sz="2400" dirty="0"/>
               <a:t>Don’t confuse </a:t>
             </a:r>
             <a:r>
-              <a:rPr lang="en-US" sz="2400" i="1" dirty="0" err="1" smtClean="0"/>
+              <a:rPr lang="en-US" sz="2400" i="1" dirty="0" err="1"/>
               <a:t>dBm</a:t>
             </a:r>
             <a:r>
-              <a:rPr lang="en-US" sz="2400" dirty="0" smtClean="0"/>
+              <a:rPr lang="en-US" sz="2400" dirty="0"/>
               <a:t> with </a:t>
             </a:r>
             <a:r>
-              <a:rPr lang="en-US" sz="2400" i="1" dirty="0" smtClean="0"/>
+              <a:rPr lang="en-US" sz="2400" i="1" dirty="0"/>
               <a:t>dB</a:t>
             </a:r>
           </a:p>
           <a:p>
             <a:pPr lvl="1"/>
             <a:r>
-              <a:rPr lang="en-US" sz="2200" dirty="0" err="1" smtClean="0"/>
+              <a:rPr lang="en-US" sz="2200" dirty="0" err="1"/>
               <a:t>dBm</a:t>
             </a:r>
             <a:r>
-              <a:rPr lang="en-US" sz="2200" dirty="0" smtClean="0"/>
+              <a:rPr lang="en-US" sz="2200" dirty="0"/>
               <a:t> is a unit; it represents power</a:t>
             </a:r>
           </a:p>
           <a:p>
             <a:pPr lvl="1"/>
             <a:r>
-              <a:rPr lang="en-US" sz="2200" dirty="0" smtClean="0"/>
+              <a:rPr lang="en-US" sz="2200" dirty="0"/>
               <a:t>dB is a pure number; it represents a ratio </a:t>
             </a:r>
           </a:p>
@@ -4854,21 +4717,6 @@
   <p:clrMapOvr>
     <a:masterClrMapping/>
   </p:clrMapOvr>
-  <mc:AlternateContent xmlns:mc="http://schemas.openxmlformats.org/markup-compatibility/2006" xmlns:p14="http://schemas.microsoft.com/office/powerpoint/2010/main">
-    <mc:Choice Requires="p14">
-      <p:transition spd="slow" p14:dur="2000"/>
-    </mc:Choice>
-    <mc:Fallback xmlns="">
-      <p:transition spd="slow"/>
-    </mc:Fallback>
-  </mc:AlternateContent>
-  <p:timing>
-    <p:tnLst>
-      <p:par>
-        <p:cTn id="1" dur="indefinite" restart="never" nodeType="tmRoot"/>
-      </p:par>
-    </p:tnLst>
-  </p:timing>
 </p:sld>
 </file>
 
@@ -4905,10 +4753,9 @@
           <a:lstStyle/>
           <a:p>
             <a:r>
-              <a:rPr lang="en-US" dirty="0" smtClean="0"/>
+              <a:rPr lang="en-US" dirty="0"/>
               <a:t>Example </a:t>
             </a:r>
-            <a:endParaRPr lang="en-US" dirty="0"/>
           </a:p>
         </p:txBody>
       </p:sp>
@@ -4930,32 +4777,32 @@
           <a:lstStyle/>
           <a:p>
             <a:r>
-              <a:rPr lang="en-US" sz="2400" b="0" dirty="0" smtClean="0"/>
+              <a:rPr lang="en-US" sz="2400" b="0" dirty="0"/>
               <a:t> How much is the input power in W?</a:t>
             </a:r>
           </a:p>
           <a:p>
             <a:r>
-              <a:rPr lang="en-US" sz="2400" b="0" dirty="0" smtClean="0"/>
+              <a:rPr lang="en-US" sz="2400" b="0" dirty="0"/>
               <a:t> How much is the output power in W?</a:t>
             </a:r>
           </a:p>
           <a:p>
             <a:r>
-              <a:rPr lang="en-US" sz="2400" b="0" dirty="0" smtClean="0"/>
+              <a:rPr lang="en-US" sz="2400" b="0" dirty="0"/>
               <a:t> Assume the output is connected to a 50 </a:t>
             </a:r>
             <a:r>
-              <a:rPr lang="el-GR" sz="2400" b="0" dirty="0" smtClean="0"/>
+              <a:rPr lang="el-GR" sz="2400" b="0" dirty="0"/>
               <a:t>Ω</a:t>
             </a:r>
             <a:r>
-              <a:rPr lang="en-US" sz="2400" b="0" dirty="0" smtClean="0"/>
+              <a:rPr lang="en-US" sz="2400" b="0" dirty="0"/>
               <a:t> load, what is the RMS voltage on the load?</a:t>
             </a:r>
           </a:p>
           <a:p>
-            <a:endParaRPr lang="en-US" sz="2400" b="0" dirty="0" smtClean="0"/>
+            <a:endParaRPr lang="en-US" sz="2400" b="0" dirty="0"/>
           </a:p>
         </p:txBody>
       </p:sp>
@@ -5025,7 +4872,7 @@
                 <a:buNone/>
                 <a:tabLst/>
               </a:pPr>
-              <a:endParaRPr kumimoji="0" lang="en-US" sz="2400" b="0" i="0" u="none" strike="noStrike" cap="none" normalizeH="0" baseline="0" smtClean="0">
+              <a:endParaRPr kumimoji="0" lang="en-US" sz="2400" b="0" i="0" u="none" strike="noStrike" cap="none" normalizeH="0" baseline="0">
                 <a:ln>
                   <a:noFill/>
                 </a:ln>
@@ -5138,7 +4985,7 @@
           <a:lstStyle/>
           <a:p>
             <a:r>
-              <a:rPr lang="en-US" sz="3000" dirty="0" smtClean="0">
+              <a:rPr lang="en-US" sz="3000" dirty="0">
                 <a:solidFill>
                   <a:schemeClr val="bg1"/>
                 </a:solidFill>
@@ -5147,7 +4994,7 @@
               <a:t>Amplifier Gain </a:t>
             </a:r>
             <a:r>
-              <a:rPr lang="en-US" sz="3000" dirty="0" smtClean="0">
+              <a:rPr lang="en-US" sz="3000" dirty="0">
                 <a:solidFill>
                   <a:srgbClr val="FF0000"/>
                 </a:solidFill>
@@ -5181,7 +5028,7 @@
           <a:lstStyle/>
           <a:p>
             <a:r>
-              <a:rPr lang="en-US" sz="3000" dirty="0" smtClean="0">
+              <a:rPr lang="en-US" sz="3000" dirty="0">
                 <a:solidFill>
                   <a:schemeClr val="bg1"/>
                 </a:solidFill>
@@ -5190,7 +5037,7 @@
               <a:t>Input </a:t>
             </a:r>
             <a:r>
-              <a:rPr lang="en-US" sz="3000" dirty="0" smtClean="0">
+              <a:rPr lang="en-US" sz="3000" dirty="0">
                 <a:solidFill>
                   <a:srgbClr val="FF0000"/>
                 </a:solidFill>
@@ -5211,21 +5058,6 @@
   <p:clrMapOvr>
     <a:masterClrMapping/>
   </p:clrMapOvr>
-  <mc:AlternateContent xmlns:mc="http://schemas.openxmlformats.org/markup-compatibility/2006" xmlns:p14="http://schemas.microsoft.com/office/powerpoint/2010/main">
-    <mc:Choice Requires="p14">
-      <p:transition spd="slow" p14:dur="2000"/>
-    </mc:Choice>
-    <mc:Fallback xmlns="">
-      <p:transition spd="slow"/>
-    </mc:Fallback>
-  </mc:AlternateContent>
-  <p:timing>
-    <p:tnLst>
-      <p:par>
-        <p:cTn id="1" dur="indefinite" restart="never" nodeType="tmRoot"/>
-      </p:par>
-    </p:tnLst>
-  </p:timing>
 </p:sld>
 </file>
 
@@ -5262,10 +5094,9 @@
           <a:lstStyle/>
           <a:p>
             <a:r>
-              <a:rPr lang="en-US" dirty="0" smtClean="0"/>
+              <a:rPr lang="en-US" dirty="0"/>
               <a:t>Typical Power Levels </a:t>
             </a:r>
-            <a:endParaRPr lang="en-US" dirty="0"/>
           </a:p>
         </p:txBody>
       </p:sp>
@@ -5292,9 +5123,27 @@
             <a:tbl>
               <a:tblPr/>
               <a:tblGrid>
-                <a:gridCol w="1752060"/>
-                <a:gridCol w="2219972"/>
-                <a:gridCol w="4371318"/>
+                <a:gridCol w="1752060">
+                  <a:extLst>
+                    <a:ext uri="{9D8B030D-6E8A-4147-A177-3AD203B41FA5}">
+                      <a16:colId xmlns:a16="http://schemas.microsoft.com/office/drawing/2014/main" val="20000"/>
+                    </a:ext>
+                  </a:extLst>
+                </a:gridCol>
+                <a:gridCol w="2219972">
+                  <a:extLst>
+                    <a:ext uri="{9D8B030D-6E8A-4147-A177-3AD203B41FA5}">
+                      <a16:colId xmlns:a16="http://schemas.microsoft.com/office/drawing/2014/main" val="20001"/>
+                    </a:ext>
+                  </a:extLst>
+                </a:gridCol>
+                <a:gridCol w="4371318">
+                  <a:extLst>
+                    <a:ext uri="{9D8B030D-6E8A-4147-A177-3AD203B41FA5}">
+                      <a16:colId xmlns:a16="http://schemas.microsoft.com/office/drawing/2014/main" val="20002"/>
+                    </a:ext>
+                  </a:extLst>
+                </a:gridCol>
               </a:tblGrid>
               <a:tr h="0">
                 <a:tc>
@@ -5483,6 +5332,11 @@
                     </a:solidFill>
                   </a:tcPr>
                 </a:tc>
+                <a:extLst>
+                  <a:ext uri="{0D108BD9-81ED-4DB2-BD59-A6C34878D82A}">
+                    <a16:rowId xmlns:a16="http://schemas.microsoft.com/office/drawing/2014/main" val="10000"/>
+                  </a:ext>
+                </a:extLst>
               </a:tr>
               <a:tr h="0">
                 <a:tc>
@@ -5708,6 +5562,11 @@
                     </a:solidFill>
                   </a:tcPr>
                 </a:tc>
+                <a:extLst>
+                  <a:ext uri="{0D108BD9-81ED-4DB2-BD59-A6C34878D82A}">
+                    <a16:rowId xmlns:a16="http://schemas.microsoft.com/office/drawing/2014/main" val="10001"/>
+                  </a:ext>
+                </a:extLst>
               </a:tr>
               <a:tr h="153188">
                 <a:tc>
@@ -5857,17 +5716,7 @@
                           <a:latin typeface="Kalinga" panose="020B0502040204020203" pitchFamily="34" charset="0"/>
                           <a:cs typeface="Kalinga" panose="020B0502040204020203" pitchFamily="34" charset="0"/>
                         </a:rPr>
-                        <a:t>thermal radiation emitted by a human </a:t>
-                      </a:r>
-                      <a:r>
-                        <a:rPr lang="en-US" sz="1600" u="none" strike="noStrike" dirty="0" smtClean="0">
-                          <a:solidFill>
-                            <a:schemeClr val="bg1"/>
-                          </a:solidFill>
-                          <a:latin typeface="Kalinga" panose="020B0502040204020203" pitchFamily="34" charset="0"/>
-                          <a:cs typeface="Kalinga" panose="020B0502040204020203" pitchFamily="34" charset="0"/>
-                        </a:rPr>
-                        <a:t>body</a:t>
+                        <a:t>thermal radiation emitted by a human body</a:t>
                       </a:r>
                       <a:endParaRPr lang="en-US" sz="1600" dirty="0">
                         <a:solidFill>
@@ -5920,6 +5769,11 @@
                     </a:solidFill>
                   </a:tcPr>
                 </a:tc>
+                <a:extLst>
+                  <a:ext uri="{0D108BD9-81ED-4DB2-BD59-A6C34878D82A}">
+                    <a16:rowId xmlns:a16="http://schemas.microsoft.com/office/drawing/2014/main" val="10002"/>
+                  </a:ext>
+                </a:extLst>
               </a:tr>
               <a:tr h="126155">
                 <a:tc>
@@ -6059,37 +5913,7 @@
                           <a:latin typeface="Kalinga" panose="020B0502040204020203" pitchFamily="34" charset="0"/>
                           <a:cs typeface="Kalinga" panose="020B0502040204020203" pitchFamily="34" charset="0"/>
                         </a:rPr>
-                        <a:t>Maximum output from </a:t>
-                      </a:r>
-                      <a:r>
-                        <a:rPr lang="en-US" sz="1600" dirty="0" smtClean="0">
-                          <a:solidFill>
-                            <a:schemeClr val="bg1"/>
-                          </a:solidFill>
-                          <a:latin typeface="Kalinga" panose="020B0502040204020203" pitchFamily="34" charset="0"/>
-                          <a:cs typeface="Kalinga" panose="020B0502040204020203" pitchFamily="34" charset="0"/>
-                        </a:rPr>
-                        <a:t>a</a:t>
-                      </a:r>
-                      <a:r>
-                        <a:rPr lang="en-US" sz="1600" dirty="0">
-                          <a:solidFill>
-                            <a:schemeClr val="bg1"/>
-                          </a:solidFill>
-                          <a:latin typeface="Kalinga" panose="020B0502040204020203" pitchFamily="34" charset="0"/>
-                          <a:cs typeface="Kalinga" panose="020B0502040204020203" pitchFamily="34" charset="0"/>
-                        </a:rPr>
-                        <a:t> mobile phone (Power class 1 mobiles</a:t>
-                      </a:r>
-                      <a:r>
-                        <a:rPr lang="en-US" sz="1600" dirty="0" smtClean="0">
-                          <a:solidFill>
-                            <a:schemeClr val="bg1"/>
-                          </a:solidFill>
-                          <a:latin typeface="Kalinga" panose="020B0502040204020203" pitchFamily="34" charset="0"/>
-                          <a:cs typeface="Kalinga" panose="020B0502040204020203" pitchFamily="34" charset="0"/>
-                        </a:rPr>
-                        <a:t>)</a:t>
+                        <a:t>Maximum output from a mobile phone (Power class 1 mobiles)</a:t>
                       </a:r>
                     </a:p>
                   </a:txBody>
@@ -6135,6 +5959,11 @@
                     </a:solidFill>
                   </a:tcPr>
                 </a:tc>
+                <a:extLst>
+                  <a:ext uri="{0D108BD9-81ED-4DB2-BD59-A6C34878D82A}">
+                    <a16:rowId xmlns:a16="http://schemas.microsoft.com/office/drawing/2014/main" val="10003"/>
+                  </a:ext>
+                </a:extLst>
               </a:tr>
               <a:tr h="355938">
                 <a:tc>
@@ -6211,25 +6040,8 @@
                           <a:latin typeface="Kalinga" panose="020B0502040204020203" pitchFamily="34" charset="0"/>
                           <a:cs typeface="Kalinga" panose="020B0502040204020203" pitchFamily="34" charset="0"/>
                         </a:rPr>
-                        <a:t>1 </a:t>
+                        <a:t>1 W</a:t>
                       </a:r>
-                      <a:r>
-                        <a:rPr lang="en-US" sz="1800" dirty="0" smtClean="0">
-                          <a:solidFill>
-                            <a:schemeClr val="bg1"/>
-                          </a:solidFill>
-                          <a:latin typeface="Kalinga" panose="020B0502040204020203" pitchFamily="34" charset="0"/>
-                          <a:cs typeface="Kalinga" panose="020B0502040204020203" pitchFamily="34" charset="0"/>
-                        </a:rPr>
-                        <a:t>W</a:t>
-                      </a:r>
-                      <a:endParaRPr lang="en-US" sz="1800" dirty="0">
-                        <a:solidFill>
-                          <a:schemeClr val="bg1"/>
-                        </a:solidFill>
-                        <a:latin typeface="Kalinga" panose="020B0502040204020203" pitchFamily="34" charset="0"/>
-                        <a:cs typeface="Kalinga" panose="020B0502040204020203" pitchFamily="34" charset="0"/>
-                      </a:endParaRPr>
                     </a:p>
                   </a:txBody>
                   <a:tcPr marL="4506" marR="4506" marT="2253" marB="2253" anchor="ctr">
@@ -6291,25 +6103,8 @@
                           <a:latin typeface="Kalinga" panose="020B0502040204020203" pitchFamily="34" charset="0"/>
                           <a:cs typeface="Kalinga" panose="020B0502040204020203" pitchFamily="34" charset="0"/>
                         </a:rPr>
-                        <a:t>Typical RF leakage from a </a:t>
+                        <a:t>Typical RF leakage from a microwave</a:t>
                       </a:r>
-                      <a:r>
-                        <a:rPr lang="en-US" sz="1600" dirty="0" smtClean="0">
-                          <a:solidFill>
-                            <a:schemeClr val="bg1"/>
-                          </a:solidFill>
-                          <a:latin typeface="Kalinga" panose="020B0502040204020203" pitchFamily="34" charset="0"/>
-                          <a:cs typeface="Kalinga" panose="020B0502040204020203" pitchFamily="34" charset="0"/>
-                        </a:rPr>
-                        <a:t>microwave</a:t>
-                      </a:r>
-                      <a:endParaRPr lang="en-US" sz="1600" dirty="0">
-                        <a:solidFill>
-                          <a:schemeClr val="bg1"/>
-                        </a:solidFill>
-                        <a:latin typeface="Kalinga" panose="020B0502040204020203" pitchFamily="34" charset="0"/>
-                        <a:cs typeface="Kalinga" panose="020B0502040204020203" pitchFamily="34" charset="0"/>
-                      </a:endParaRPr>
                     </a:p>
                   </a:txBody>
                   <a:tcPr marL="4506" marR="4506" marT="27432" marB="27432" anchor="ctr">
@@ -6354,6 +6149,11 @@
                     </a:solidFill>
                   </a:tcPr>
                 </a:tc>
+                <a:extLst>
+                  <a:ext uri="{0D108BD9-81ED-4DB2-BD59-A6C34878D82A}">
+                    <a16:rowId xmlns:a16="http://schemas.microsoft.com/office/drawing/2014/main" val="10004"/>
+                  </a:ext>
+                </a:extLst>
               </a:tr>
               <a:tr h="126155">
                 <a:tc>
@@ -6533,27 +6333,7 @@
                           <a:latin typeface="Kalinga" panose="020B0502040204020203" pitchFamily="34" charset="0"/>
                           <a:cs typeface="Kalinga" panose="020B0502040204020203" pitchFamily="34" charset="0"/>
                         </a:rPr>
-                        <a:t> output from a </a:t>
-                      </a:r>
-                      <a:r>
-                        <a:rPr lang="en-US" sz="1600" dirty="0" smtClean="0">
-                          <a:solidFill>
-                            <a:schemeClr val="bg1"/>
-                          </a:solidFill>
-                          <a:latin typeface="Kalinga" panose="020B0502040204020203" pitchFamily="34" charset="0"/>
-                          <a:cs typeface="Kalinga" panose="020B0502040204020203" pitchFamily="34" charset="0"/>
-                        </a:rPr>
-                        <a:t>mobile </a:t>
-                      </a:r>
-                      <a:r>
-                        <a:rPr lang="en-US" sz="1600" dirty="0">
-                          <a:solidFill>
-                            <a:schemeClr val="bg1"/>
-                          </a:solidFill>
-                          <a:latin typeface="Kalinga" panose="020B0502040204020203" pitchFamily="34" charset="0"/>
-                          <a:cs typeface="Kalinga" panose="020B0502040204020203" pitchFamily="34" charset="0"/>
-                        </a:rPr>
-                        <a:t>phone (Power class 2 mobiles)</a:t>
+                        <a:t> output from a mobile phone (Power class 2 mobiles)</a:t>
                       </a:r>
                     </a:p>
                   </a:txBody>
@@ -6599,6 +6379,11 @@
                     </a:solidFill>
                   </a:tcPr>
                 </a:tc>
+                <a:extLst>
+                  <a:ext uri="{0D108BD9-81ED-4DB2-BD59-A6C34878D82A}">
+                    <a16:rowId xmlns:a16="http://schemas.microsoft.com/office/drawing/2014/main" val="10005"/>
+                  </a:ext>
+                </a:extLst>
               </a:tr>
               <a:tr h="0">
                 <a:tc>
@@ -6838,6 +6623,11 @@
                     </a:solidFill>
                   </a:tcPr>
                 </a:tc>
+                <a:extLst>
+                  <a:ext uri="{0D108BD9-81ED-4DB2-BD59-A6C34878D82A}">
+                    <a16:rowId xmlns:a16="http://schemas.microsoft.com/office/drawing/2014/main" val="10006"/>
+                  </a:ext>
+                </a:extLst>
               </a:tr>
               <a:tr h="0">
                 <a:tc>
@@ -7043,6 +6833,11 @@
                     </a:solidFill>
                   </a:tcPr>
                 </a:tc>
+                <a:extLst>
+                  <a:ext uri="{0D108BD9-81ED-4DB2-BD59-A6C34878D82A}">
+                    <a16:rowId xmlns:a16="http://schemas.microsoft.com/office/drawing/2014/main" val="10007"/>
+                  </a:ext>
+                </a:extLst>
               </a:tr>
               <a:tr h="0">
                 <a:tc>
@@ -7202,7 +6997,7 @@
                         <a:t>Typical range (−70 to −90 dBm) of wireless received signal power over a </a:t>
                       </a:r>
                       <a:r>
-                        <a:rPr lang="en-US" sz="1600" dirty="0" err="1" smtClean="0">
+                        <a:rPr lang="en-US" sz="1600" dirty="0" err="1">
                           <a:solidFill>
                             <a:schemeClr val="bg1"/>
                           </a:solidFill>
@@ -7212,7 +7007,7 @@
                         <a:t>WiFi</a:t>
                       </a:r>
                       <a:r>
-                        <a:rPr lang="en-US" sz="1600" baseline="0" dirty="0" smtClean="0">
+                        <a:rPr lang="en-US" sz="1600" baseline="0" dirty="0">
                           <a:solidFill>
                             <a:schemeClr val="bg1"/>
                           </a:solidFill>
@@ -7222,16 +7017,6 @@
                         <a:t> </a:t>
                       </a:r>
                       <a:r>
-                        <a:rPr lang="en-US" sz="1600" dirty="0" smtClean="0">
-                          <a:solidFill>
-                            <a:schemeClr val="bg1"/>
-                          </a:solidFill>
-                          <a:latin typeface="Kalinga" panose="020B0502040204020203" pitchFamily="34" charset="0"/>
-                          <a:cs typeface="Kalinga" panose="020B0502040204020203" pitchFamily="34" charset="0"/>
-                        </a:rPr>
-                        <a:t>network </a:t>
-                      </a:r>
-                      <a:r>
                         <a:rPr lang="en-US" sz="1600" dirty="0">
                           <a:solidFill>
                             <a:schemeClr val="bg1"/>
@@ -7239,7 +7024,7 @@
                           <a:latin typeface="Kalinga" panose="020B0502040204020203" pitchFamily="34" charset="0"/>
                           <a:cs typeface="Kalinga" panose="020B0502040204020203" pitchFamily="34" charset="0"/>
                         </a:rPr>
-                        <a:t>(802.11 variants)</a:t>
+                        <a:t>network (802.11 variants)</a:t>
                       </a:r>
                     </a:p>
                   </a:txBody>
@@ -7285,6 +7070,11 @@
                     </a:solidFill>
                   </a:tcPr>
                 </a:tc>
+                <a:extLst>
+                  <a:ext uri="{0D108BD9-81ED-4DB2-BD59-A6C34878D82A}">
+                    <a16:rowId xmlns:a16="http://schemas.microsoft.com/office/drawing/2014/main" val="10008"/>
+                  </a:ext>
+                </a:extLst>
               </a:tr>
               <a:tr h="0">
                 <a:tc>
@@ -7524,6 +7314,11 @@
                     </a:solidFill>
                   </a:tcPr>
                 </a:tc>
+                <a:extLst>
+                  <a:ext uri="{0D108BD9-81ED-4DB2-BD59-A6C34878D82A}">
+                    <a16:rowId xmlns:a16="http://schemas.microsoft.com/office/drawing/2014/main" val="10009"/>
+                  </a:ext>
+                </a:extLst>
               </a:tr>
             </a:tbl>
           </a:graphicData>
@@ -7552,7 +7347,7 @@
           <a:lstStyle/>
           <a:p>
             <a:r>
-              <a:rPr lang="en-US" sz="900" dirty="0" smtClean="0">
+              <a:rPr lang="en-US" sz="900" dirty="0">
                 <a:solidFill>
                   <a:schemeClr val="bg1"/>
                 </a:solidFill>
@@ -7573,21 +7368,6 @@
   <p:clrMapOvr>
     <a:masterClrMapping/>
   </p:clrMapOvr>
-  <mc:AlternateContent xmlns:mc="http://schemas.openxmlformats.org/markup-compatibility/2006" xmlns:p14="http://schemas.microsoft.com/office/powerpoint/2010/main">
-    <mc:Choice Requires="p14">
-      <p:transition spd="slow" p14:dur="2000"/>
-    </mc:Choice>
-    <mc:Fallback xmlns="">
-      <p:transition spd="slow"/>
-    </mc:Fallback>
-  </mc:AlternateContent>
-  <p:timing>
-    <p:tnLst>
-      <p:par>
-        <p:cTn id="1" dur="indefinite" restart="never" nodeType="tmRoot"/>
-      </p:par>
-    </p:tnLst>
-  </p:timing>
 </p:sld>
 </file>
 
@@ -7624,10 +7404,9 @@
           <a:lstStyle/>
           <a:p>
             <a:r>
-              <a:rPr lang="en-US" dirty="0" smtClean="0"/>
+              <a:rPr lang="en-US" dirty="0"/>
               <a:t>Scattering Parameters</a:t>
             </a:r>
-            <a:endParaRPr lang="en-US" dirty="0"/>
           </a:p>
         </p:txBody>
       </p:sp>
@@ -7652,79 +7431,79 @@
           <a:lstStyle/>
           <a:p>
             <a:r>
-              <a:rPr lang="en-US" b="0" dirty="0" smtClean="0"/>
+              <a:rPr lang="en-US" b="0" dirty="0"/>
               <a:t> RF/microwave circuits</a:t>
             </a:r>
           </a:p>
           <a:p>
             <a:pPr lvl="1"/>
             <a:r>
-              <a:rPr lang="en-US" sz="2200" b="0" dirty="0" smtClean="0"/>
+              <a:rPr lang="en-US" sz="2200" b="0" dirty="0"/>
               <a:t>Voltage/current may not be easily defined</a:t>
             </a:r>
           </a:p>
           <a:p>
             <a:pPr lvl="1"/>
             <a:r>
-              <a:rPr lang="en-US" sz="2200" b="0" dirty="0" smtClean="0"/>
+              <a:rPr lang="en-US" sz="2200" b="0" dirty="0"/>
               <a:t>Open/short hard to make</a:t>
             </a:r>
           </a:p>
           <a:p>
             <a:pPr lvl="1"/>
             <a:r>
-              <a:rPr lang="en-US" sz="2200" b="0" dirty="0" smtClean="0"/>
+              <a:rPr lang="en-US" sz="2200" b="0" dirty="0"/>
               <a:t>Power is easier to work with</a:t>
             </a:r>
           </a:p>
           <a:p>
             <a:pPr lvl="2"/>
             <a:r>
-              <a:rPr lang="en-US" sz="2200" b="0" dirty="0" smtClean="0"/>
+              <a:rPr lang="en-US" sz="2200" b="0" dirty="0"/>
               <a:t>No position dependence</a:t>
             </a:r>
           </a:p>
           <a:p>
             <a:r>
-              <a:rPr lang="en-US" b="0" dirty="0" smtClean="0"/>
+              <a:rPr lang="en-US" b="0" dirty="0"/>
               <a:t> 2-Port networks</a:t>
             </a:r>
           </a:p>
           <a:p>
             <a:pPr lvl="1"/>
             <a:r>
-              <a:rPr lang="en-US" sz="2200" b="0" dirty="0" smtClean="0"/>
+              <a:rPr lang="en-US" sz="2200" b="0" dirty="0"/>
               <a:t>Power is either “</a:t>
             </a:r>
             <a:r>
-              <a:rPr lang="en-US" sz="2200" b="0" i="1" dirty="0" smtClean="0"/>
+              <a:rPr lang="en-US" sz="2200" b="0" i="1" dirty="0"/>
               <a:t>transmitted</a:t>
             </a:r>
             <a:r>
-              <a:rPr lang="en-US" sz="2200" b="0" dirty="0" smtClean="0"/>
+              <a:rPr lang="en-US" sz="2200" b="0" dirty="0"/>
               <a:t>”,  “</a:t>
             </a:r>
             <a:r>
-              <a:rPr lang="en-US" sz="2200" b="0" i="1" dirty="0" smtClean="0"/>
+              <a:rPr lang="en-US" sz="2200" b="0" i="1" dirty="0"/>
               <a:t>reflected</a:t>
             </a:r>
             <a:r>
-              <a:rPr lang="en-US" sz="2200" b="0" dirty="0" smtClean="0"/>
+              <a:rPr lang="en-US" sz="2200" b="0" dirty="0"/>
               <a:t>”, or “dissipated”</a:t>
             </a:r>
           </a:p>
           <a:p>
             <a:pPr lvl="1"/>
             <a:r>
-              <a:rPr lang="en-US" sz="2200" b="0" dirty="0" smtClean="0"/>
+              <a:rPr lang="en-US" sz="2200" b="0" dirty="0"/>
               <a:t>Work with a standard system impedance: “matched” or “</a:t>
             </a:r>
             <a:r>
-              <a:rPr lang="en-US" sz="2200" b="0" dirty="0" err="1" smtClean="0"/>
+              <a:rPr lang="en-US" sz="2200" b="0" dirty="0" err="1"/>
               <a:t>mis</a:t>
             </a:r>
             <a:r>
-              <a:rPr lang="en-US" sz="2200" b="0" dirty="0" smtClean="0"/>
+              <a:rPr lang="en-US" sz="2200" b="0" dirty="0"/>
               <a:t>-matched”</a:t>
             </a:r>
           </a:p>
@@ -7785,7 +7564,7 @@
           <a:lstStyle/>
           <a:p>
             <a:r>
-              <a:rPr lang="en-US" sz="1200" dirty="0" smtClean="0">
+              <a:rPr lang="en-US" sz="1200" dirty="0">
                 <a:solidFill>
                   <a:schemeClr val="bg1"/>
                 </a:solidFill>
@@ -7808,14 +7587,6 @@
   <p:clrMapOvr>
     <a:masterClrMapping/>
   </p:clrMapOvr>
-  <mc:AlternateContent xmlns:mc="http://schemas.openxmlformats.org/markup-compatibility/2006" xmlns:p14="http://schemas.microsoft.com/office/powerpoint/2010/main">
-    <mc:Choice Requires="p14">
-      <p:transition spd="slow" p14:dur="2000"/>
-    </mc:Choice>
-    <mc:Fallback xmlns="">
-      <p:transition spd="slow"/>
-    </mc:Fallback>
-  </mc:AlternateContent>
   <p:timing>
     <p:tnLst>
       <p:par>
@@ -7993,10 +7764,9 @@
           <a:lstStyle/>
           <a:p>
             <a:r>
-              <a:rPr lang="en-US" dirty="0" smtClean="0"/>
+              <a:rPr lang="en-US" dirty="0"/>
               <a:t>Scattering Parameters</a:t>
             </a:r>
-            <a:endParaRPr lang="en-US" dirty="0"/>
           </a:p>
         </p:txBody>
       </p:sp>
@@ -8016,11 +7786,11 @@
           <a:lstStyle/>
           <a:p>
             <a:r>
-              <a:rPr lang="en-US" sz="2600" b="0" dirty="0" smtClean="0"/>
+              <a:rPr lang="en-US" sz="2600" b="0" dirty="0"/>
               <a:t> </a:t>
             </a:r>
             <a:r>
-              <a:rPr lang="en-US" altLang="zh-CN" sz="2600" b="0" dirty="0" smtClean="0">
+              <a:rPr lang="en-US" altLang="zh-CN" sz="2600" b="0" dirty="0">
                 <a:ea typeface="宋体" charset="-122"/>
               </a:rPr>
               <a:t>S-Parameter: Use power quantities instead of voltage or current </a:t>
@@ -8028,12 +7798,12 @@
           </a:p>
           <a:p>
             <a:r>
-              <a:rPr lang="en-US" altLang="zh-CN" sz="2600" b="0" dirty="0" smtClean="0">
+              <a:rPr lang="en-US" altLang="zh-CN" sz="2600" b="0" dirty="0">
                 <a:ea typeface="宋体" charset="-122"/>
               </a:rPr>
               <a:t>The difference between the incident power (the power that would be delivered to a matched load) and the reflected power represents the power delivered to the circuit.</a:t>
             </a:r>
-            <a:endParaRPr lang="en-US" b="0" dirty="0" smtClean="0"/>
+            <a:endParaRPr lang="en-US" b="0" dirty="0"/>
           </a:p>
         </p:txBody>
       </p:sp>
@@ -8124,7 +7894,7 @@
           <a:lstStyle/>
           <a:p>
             <a:r>
-              <a:rPr lang="en-US" sz="1500" dirty="0" smtClean="0">
+              <a:rPr lang="en-US" sz="1500" dirty="0">
                 <a:solidFill>
                   <a:schemeClr val="bg1"/>
                 </a:solidFill>
@@ -8133,7 +7903,7 @@
               <a:t>B. </a:t>
             </a:r>
             <a:r>
-              <a:rPr lang="en-US" sz="1500" dirty="0" err="1" smtClean="0">
+              <a:rPr lang="en-US" sz="1500" dirty="0" err="1">
                 <a:solidFill>
                   <a:schemeClr val="bg1"/>
                 </a:solidFill>
@@ -8142,7 +7912,7 @@
               <a:t>Razavi</a:t>
             </a:r>
             <a:r>
-              <a:rPr lang="en-US" sz="1500" dirty="0" smtClean="0">
+              <a:rPr lang="en-US" sz="1500" dirty="0">
                 <a:solidFill>
                   <a:schemeClr val="bg1"/>
                 </a:solidFill>
@@ -8151,7 +7921,7 @@
               <a:t>, “RF Microelectronics”, 2</a:t>
             </a:r>
             <a:r>
-              <a:rPr lang="en-US" sz="1500" baseline="30000" dirty="0" smtClean="0">
+              <a:rPr lang="en-US" sz="1500" baseline="30000" dirty="0">
                 <a:solidFill>
                   <a:schemeClr val="bg1"/>
                 </a:solidFill>
@@ -8160,7 +7930,7 @@
               <a:t>nd</a:t>
             </a:r>
             <a:r>
-              <a:rPr lang="en-US" sz="1500" dirty="0" smtClean="0">
+              <a:rPr lang="en-US" sz="1500" dirty="0">
                 <a:solidFill>
                   <a:schemeClr val="bg1"/>
                 </a:solidFill>
@@ -8181,21 +7951,6 @@
   <p:clrMapOvr>
     <a:masterClrMapping/>
   </p:clrMapOvr>
-  <mc:AlternateContent xmlns:mc="http://schemas.openxmlformats.org/markup-compatibility/2006" xmlns:p14="http://schemas.microsoft.com/office/powerpoint/2010/main">
-    <mc:Choice Requires="p14">
-      <p:transition spd="slow" p14:dur="2000"/>
-    </mc:Choice>
-    <mc:Fallback xmlns="">
-      <p:transition spd="slow"/>
-    </mc:Fallback>
-  </mc:AlternateContent>
-  <p:timing>
-    <p:tnLst>
-      <p:par>
-        <p:cTn id="1" dur="indefinite" restart="never" nodeType="tmRoot"/>
-      </p:par>
-    </p:tnLst>
-  </p:timing>
 </p:sld>
 </file>
 
@@ -8232,10 +7987,9 @@
           <a:lstStyle/>
           <a:p>
             <a:r>
-              <a:rPr lang="en-US" dirty="0" smtClean="0"/>
+              <a:rPr lang="en-US" dirty="0"/>
               <a:t>S-Parameters</a:t>
             </a:r>
-            <a:endParaRPr lang="en-US" dirty="0"/>
           </a:p>
         </p:txBody>
       </p:sp>
@@ -8423,27 +8177,7 @@
                 <a:latin typeface="+mn-lt"/>
                 <a:ea typeface="宋体" charset="-122"/>
               </a:rPr>
-              <a:t>Represents the </a:t>
-            </a:r>
-            <a:r>
-              <a:rPr lang="en-US" altLang="zh-CN" sz="1800" kern="0" baseline="0" dirty="0" smtClean="0">
-                <a:solidFill>
-                  <a:schemeClr val="bg1"/>
-                </a:solidFill>
-                <a:latin typeface="+mn-lt"/>
-                <a:ea typeface="宋体" charset="-122"/>
-              </a:rPr>
-              <a:t>effectiveness </a:t>
-            </a:r>
-            <a:r>
-              <a:rPr lang="en-US" altLang="zh-CN" sz="1800" kern="0" baseline="0" dirty="0">
-                <a:solidFill>
-                  <a:schemeClr val="bg1"/>
-                </a:solidFill>
-                <a:latin typeface="+mn-lt"/>
-                <a:ea typeface="宋体" charset="-122"/>
-              </a:rPr>
-              <a:t>of the </a:t>
+              <a:t>Represents the effectiveness of the </a:t>
             </a:r>
             <a:r>
               <a:rPr lang="en-US" altLang="zh-CN" sz="1800" i="1" kern="0" baseline="0" dirty="0">
@@ -8723,7 +8457,7 @@
           <a:lstStyle/>
           <a:p>
             <a:r>
-              <a:rPr lang="en-US" sz="1200" dirty="0" smtClean="0">
+              <a:rPr lang="en-US" sz="1200" dirty="0">
                 <a:solidFill>
                   <a:schemeClr val="bg1"/>
                 </a:solidFill>
@@ -8734,7 +8468,7 @@
               <a:t>B. </a:t>
             </a:r>
             <a:r>
-              <a:rPr lang="en-US" sz="1200" dirty="0" err="1" smtClean="0">
+              <a:rPr lang="en-US" sz="1200" dirty="0" err="1">
                 <a:solidFill>
                   <a:schemeClr val="bg1"/>
                 </a:solidFill>
@@ -8745,7 +8479,7 @@
               <a:t>Razavi</a:t>
             </a:r>
             <a:r>
-              <a:rPr lang="en-US" sz="1200" dirty="0" smtClean="0">
+              <a:rPr lang="en-US" sz="1200" dirty="0">
                 <a:solidFill>
                   <a:schemeClr val="bg1"/>
                 </a:solidFill>
@@ -8756,7 +8490,7 @@
               <a:t>, “RF Microelectronics”, 2</a:t>
             </a:r>
             <a:r>
-              <a:rPr lang="en-US" sz="1200" baseline="30000" dirty="0" smtClean="0">
+              <a:rPr lang="en-US" sz="1200" baseline="30000" dirty="0">
                 <a:solidFill>
                   <a:schemeClr val="bg1"/>
                 </a:solidFill>
@@ -8767,7 +8501,7 @@
               <a:t>nd</a:t>
             </a:r>
             <a:r>
-              <a:rPr lang="en-US" sz="1200" dirty="0" smtClean="0">
+              <a:rPr lang="en-US" sz="1200" dirty="0">
                 <a:solidFill>
                   <a:schemeClr val="bg1"/>
                 </a:solidFill>
@@ -8790,21 +8524,6 @@
   <p:clrMapOvr>
     <a:masterClrMapping/>
   </p:clrMapOvr>
-  <mc:AlternateContent xmlns:mc="http://schemas.openxmlformats.org/markup-compatibility/2006" xmlns:p14="http://schemas.microsoft.com/office/powerpoint/2010/main">
-    <mc:Choice Requires="p14">
-      <p:transition spd="slow" p14:dur="2000"/>
-    </mc:Choice>
-    <mc:Fallback xmlns="">
-      <p:transition spd="slow"/>
-    </mc:Fallback>
-  </mc:AlternateContent>
-  <p:timing>
-    <p:tnLst>
-      <p:par>
-        <p:cTn id="1" dur="indefinite" restart="never" nodeType="tmRoot"/>
-      </p:par>
-    </p:tnLst>
-  </p:timing>
 </p:sld>
 </file>
 
@@ -8841,10 +8560,9 @@
           <a:lstStyle/>
           <a:p>
             <a:r>
-              <a:rPr lang="en-US" dirty="0" smtClean="0"/>
+              <a:rPr lang="en-US" dirty="0"/>
               <a:t>S-Parameters</a:t>
             </a:r>
-            <a:endParaRPr lang="en-US" dirty="0"/>
           </a:p>
         </p:txBody>
       </p:sp>
@@ -8990,27 +8708,7 @@
                 <a:latin typeface="+mn-lt"/>
                 <a:ea typeface="宋体" charset="-122"/>
               </a:rPr>
-              <a:t>Represents the </a:t>
-            </a:r>
-            <a:r>
-              <a:rPr lang="en-US" altLang="zh-CN" sz="1800" kern="0" baseline="0" dirty="0" smtClean="0">
-                <a:solidFill>
-                  <a:schemeClr val="bg1"/>
-                </a:solidFill>
-                <a:latin typeface="+mn-lt"/>
-                <a:ea typeface="宋体" charset="-122"/>
-              </a:rPr>
-              <a:t>effectiveness </a:t>
-            </a:r>
-            <a:r>
-              <a:rPr lang="en-US" altLang="zh-CN" sz="1800" kern="0" baseline="0" dirty="0">
-                <a:solidFill>
-                  <a:schemeClr val="bg1"/>
-                </a:solidFill>
-                <a:latin typeface="+mn-lt"/>
-                <a:ea typeface="宋体" charset="-122"/>
-              </a:rPr>
-              <a:t>of the </a:t>
+              <a:t>Represents the effectiveness of the </a:t>
             </a:r>
             <a:r>
               <a:rPr lang="en-US" altLang="zh-CN" sz="1800" i="1" kern="0" baseline="0" dirty="0">
@@ -9279,7 +8977,7 @@
               <a:t>Represents the </a:t>
             </a:r>
             <a:r>
-              <a:rPr lang="en-US" altLang="zh-CN" sz="1800" i="1" kern="0" baseline="0" dirty="0" smtClean="0">
+              <a:rPr lang="en-US" altLang="zh-CN" sz="1800" i="1" kern="0" baseline="0" dirty="0">
                 <a:solidFill>
                   <a:srgbClr val="0070C0"/>
                 </a:solidFill>
@@ -9289,16 +8987,6 @@
               <a:t>gain (or loss)</a:t>
             </a:r>
             <a:r>
-              <a:rPr lang="en-US" altLang="zh-CN" sz="1800" kern="0" baseline="0" dirty="0" smtClean="0">
-                <a:solidFill>
-                  <a:schemeClr val="bg1"/>
-                </a:solidFill>
-                <a:latin typeface="+mn-lt"/>
-                <a:ea typeface="宋体" charset="-122"/>
-              </a:rPr>
-              <a:t> </a:t>
-            </a:r>
-            <a:r>
               <a:rPr lang="en-US" altLang="zh-CN" sz="1800" kern="0" baseline="0" dirty="0">
                 <a:solidFill>
                   <a:schemeClr val="bg1"/>
@@ -9306,7 +8994,7 @@
                 <a:latin typeface="+mn-lt"/>
                 <a:ea typeface="宋体" charset="-122"/>
               </a:rPr>
-              <a:t>of the circuit</a:t>
+              <a:t> of the circuit</a:t>
             </a:r>
             <a:endParaRPr lang="en-US" altLang="zh-CN" sz="1800" i="1" kern="0" baseline="0" dirty="0">
               <a:solidFill>
@@ -9369,7 +9057,7 @@
           <a:lstStyle/>
           <a:p>
             <a:r>
-              <a:rPr lang="en-US" sz="1200" dirty="0" smtClean="0">
+              <a:rPr lang="en-US" sz="1200" dirty="0">
                 <a:solidFill>
                   <a:schemeClr val="bg1"/>
                 </a:solidFill>
@@ -9380,7 +9068,7 @@
               <a:t>B. </a:t>
             </a:r>
             <a:r>
-              <a:rPr lang="en-US" sz="1200" dirty="0" err="1" smtClean="0">
+              <a:rPr lang="en-US" sz="1200" dirty="0" err="1">
                 <a:solidFill>
                   <a:schemeClr val="bg1"/>
                 </a:solidFill>
@@ -9391,7 +9079,7 @@
               <a:t>Razavi</a:t>
             </a:r>
             <a:r>
-              <a:rPr lang="en-US" sz="1200" dirty="0" smtClean="0">
+              <a:rPr lang="en-US" sz="1200" dirty="0">
                 <a:solidFill>
                   <a:schemeClr val="bg1"/>
                 </a:solidFill>
@@ -9402,7 +9090,7 @@
               <a:t>, “RF Microelectronics”, 2</a:t>
             </a:r>
             <a:r>
-              <a:rPr lang="en-US" sz="1200" baseline="30000" dirty="0" smtClean="0">
+              <a:rPr lang="en-US" sz="1200" baseline="30000" dirty="0">
                 <a:solidFill>
                   <a:schemeClr val="bg1"/>
                 </a:solidFill>
@@ -9413,7 +9101,7 @@
               <a:t>nd</a:t>
             </a:r>
             <a:r>
-              <a:rPr lang="en-US" sz="1200" dirty="0" smtClean="0">
+              <a:rPr lang="en-US" sz="1200" dirty="0">
                 <a:solidFill>
                   <a:schemeClr val="bg1"/>
                 </a:solidFill>
@@ -9436,21 +9124,6 @@
   <p:clrMapOvr>
     <a:masterClrMapping/>
   </p:clrMapOvr>
-  <mc:AlternateContent xmlns:mc="http://schemas.openxmlformats.org/markup-compatibility/2006" xmlns:p14="http://schemas.microsoft.com/office/powerpoint/2010/main">
-    <mc:Choice Requires="p14">
-      <p:transition spd="slow" p14:dur="2000"/>
-    </mc:Choice>
-    <mc:Fallback xmlns="">
-      <p:transition spd="slow"/>
-    </mc:Fallback>
-  </mc:AlternateContent>
-  <p:timing>
-    <p:tnLst>
-      <p:par>
-        <p:cTn id="1" dur="indefinite" restart="never" nodeType="tmRoot"/>
-      </p:par>
-    </p:tnLst>
-  </p:timing>
 </p:sld>
 </file>
 
@@ -9487,10 +9160,9 @@
           <a:lstStyle/>
           <a:p>
             <a:r>
-              <a:rPr lang="en-US" dirty="0" smtClean="0"/>
+              <a:rPr lang="en-US" dirty="0"/>
               <a:t>S-Parameters</a:t>
             </a:r>
-            <a:endParaRPr lang="en-US" dirty="0"/>
           </a:p>
         </p:txBody>
       </p:sp>
@@ -9536,7 +9208,7 @@
           <a:lstStyle/>
           <a:p>
             <a:r>
-              <a:rPr lang="en-US" sz="1200" dirty="0" smtClean="0">
+              <a:rPr lang="en-US" sz="1200" dirty="0">
                 <a:solidFill>
                   <a:schemeClr val="bg1"/>
                 </a:solidFill>
@@ -9547,7 +9219,7 @@
               <a:t>B. </a:t>
             </a:r>
             <a:r>
-              <a:rPr lang="en-US" sz="1200" dirty="0" err="1" smtClean="0">
+              <a:rPr lang="en-US" sz="1200" dirty="0" err="1">
                 <a:solidFill>
                   <a:schemeClr val="bg1"/>
                 </a:solidFill>
@@ -9558,7 +9230,7 @@
               <a:t>Razavi</a:t>
             </a:r>
             <a:r>
-              <a:rPr lang="en-US" sz="1200" dirty="0" smtClean="0">
+              <a:rPr lang="en-US" sz="1200" dirty="0">
                 <a:solidFill>
                   <a:schemeClr val="bg1"/>
                 </a:solidFill>
@@ -9569,7 +9241,7 @@
               <a:t>, “RF Microelectronics”, 2</a:t>
             </a:r>
             <a:r>
-              <a:rPr lang="en-US" sz="1200" baseline="30000" dirty="0" smtClean="0">
+              <a:rPr lang="en-US" sz="1200" baseline="30000" dirty="0">
                 <a:solidFill>
                   <a:schemeClr val="bg1"/>
                 </a:solidFill>
@@ -9580,7 +9252,7 @@
               <a:t>nd</a:t>
             </a:r>
             <a:r>
-              <a:rPr lang="en-US" sz="1200" dirty="0" smtClean="0">
+              <a:rPr lang="en-US" sz="1200" dirty="0">
                 <a:solidFill>
                   <a:schemeClr val="bg1"/>
                 </a:solidFill>
@@ -9839,25 +9511,8 @@
                 <a:latin typeface="+mn-lt"/>
                 <a:ea typeface="宋体" charset="-122"/>
               </a:rPr>
-              <a:t>We often express S-parameters in </a:t>
-            </a:r>
-            <a:r>
-              <a:rPr lang="en-US" altLang="zh-CN" sz="1800" b="1" kern="0" baseline="0" dirty="0" smtClean="0">
-                <a:solidFill>
-                  <a:schemeClr val="bg1"/>
-                </a:solidFill>
-                <a:latin typeface="+mn-lt"/>
-                <a:ea typeface="宋体" charset="-122"/>
-              </a:rPr>
-              <a:t>dB</a:t>
-            </a:r>
-            <a:endParaRPr lang="en-US" altLang="zh-CN" sz="1800" b="1" kern="0" baseline="0" dirty="0">
-              <a:solidFill>
-                <a:schemeClr val="bg1"/>
-              </a:solidFill>
-              <a:latin typeface="+mn-lt"/>
-              <a:ea typeface="宋体" charset="-122"/>
-            </a:endParaRPr>
+              <a:t>We often express S-parameters in dB</a:t>
+            </a:r>
           </a:p>
           <a:p>
             <a:pPr marL="342900" indent="-342900" algn="l">
@@ -9919,7 +9574,7 @@
           <a:graphicData uri="http://schemas.openxmlformats.org/presentationml/2006/ole">
             <mc:AlternateContent xmlns:mc="http://schemas.openxmlformats.org/markup-compatibility/2006">
               <mc:Choice xmlns:v="urn:schemas-microsoft-com:vml" Requires="v">
-                <p:oleObj spid="_x0000_s2072" name="Equation" r:id="rId8" imgW="1346040" imgH="279360" progId="Equation.DSMT4">
+                <p:oleObj spid="_x0000_s2074" name="Equation" r:id="rId8" imgW="1346040" imgH="279360" progId="Equation.DSMT4">
                   <p:embed/>
                 </p:oleObj>
               </mc:Choice>
@@ -9972,7 +9627,7 @@
           <a:graphicData uri="http://schemas.openxmlformats.org/presentationml/2006/ole">
             <mc:AlternateContent xmlns:mc="http://schemas.openxmlformats.org/markup-compatibility/2006">
               <mc:Choice xmlns:v="urn:schemas-microsoft-com:vml" Requires="v">
-                <p:oleObj spid="_x0000_s2073" name="Equation" r:id="rId10" imgW="698400" imgH="482400" progId="Equation.DSMT4">
+                <p:oleObj spid="_x0000_s2075" name="Equation" r:id="rId10" imgW="698400" imgH="482400" progId="Equation.DSMT4">
                   <p:embed/>
                 </p:oleObj>
               </mc:Choice>
@@ -10059,7 +9714,7 @@
               <a:buNone/>
               <a:tabLst/>
             </a:pPr>
-            <a:endParaRPr kumimoji="0" lang="en-US" sz="2400" b="0" i="0" u="none" strike="noStrike" cap="none" normalizeH="0" baseline="0" smtClean="0">
+            <a:endParaRPr kumimoji="0" lang="en-US" sz="2400" b="0" i="0" u="none" strike="noStrike" cap="none" normalizeH="0" baseline="0">
               <a:ln>
                 <a:noFill/>
               </a:ln>
@@ -10082,14 +9737,6 @@
   <p:clrMapOvr>
     <a:masterClrMapping/>
   </p:clrMapOvr>
-  <mc:AlternateContent xmlns:mc="http://schemas.openxmlformats.org/markup-compatibility/2006" xmlns:p14="http://schemas.microsoft.com/office/powerpoint/2010/main">
-    <mc:Choice Requires="p14">
-      <p:transition spd="slow" p14:dur="2000"/>
-    </mc:Choice>
-    <mc:Fallback xmlns="">
-      <p:transition spd="slow"/>
-    </mc:Fallback>
-  </mc:AlternateContent>
   <p:timing>
     <p:tnLst>
       <p:par>
@@ -10281,10 +9928,9 @@
           <a:lstStyle/>
           <a:p>
             <a:r>
-              <a:rPr lang="en-US" dirty="0" smtClean="0"/>
+              <a:rPr lang="en-US" dirty="0"/>
               <a:t>Outline</a:t>
             </a:r>
-            <a:endParaRPr lang="en-US" dirty="0"/>
           </a:p>
         </p:txBody>
       </p:sp>
@@ -10304,44 +9950,32 @@
           <a:lstStyle/>
           <a:p>
             <a:r>
-              <a:rPr lang="en-US" dirty="0" smtClean="0"/>
+              <a:rPr lang="en-US" dirty="0"/>
               <a:t>Review of transmission lines</a:t>
             </a:r>
           </a:p>
           <a:p>
             <a:pPr lvl="1"/>
             <a:r>
-              <a:rPr lang="en-US" dirty="0" smtClean="0"/>
-              <a:t>Refer to </a:t>
-            </a:r>
-            <a:r>
               <a:rPr lang="en-US" dirty="0"/>
-              <a:t>the “Lec2-ReviewTransmissionLines.pptx”, </a:t>
-            </a:r>
-            <a:r>
-              <a:rPr lang="en-US" dirty="0" smtClean="0"/>
-              <a:t>which contains excerpts from 130A course materials</a:t>
+              <a:t>Refer to the “Lec2-ReviewTransmissionLines.pptx”, which contains excerpts from 130A course materials</a:t>
             </a:r>
           </a:p>
           <a:p>
             <a:r>
               <a:rPr lang="en-US" dirty="0"/>
-              <a:t>The Radio </a:t>
-            </a:r>
-            <a:r>
-              <a:rPr lang="en-US" dirty="0" smtClean="0"/>
-              <a:t>Spectrum</a:t>
-            </a:r>
-          </a:p>
-          <a:p>
-            <a:r>
-              <a:rPr lang="en-US" dirty="0" smtClean="0"/>
+              <a:t>The Radio Spectrum</a:t>
+            </a:r>
+          </a:p>
+          <a:p>
+            <a:r>
+              <a:rPr lang="en-US" dirty="0"/>
               <a:t>Units in RF engineering</a:t>
             </a:r>
           </a:p>
           <a:p>
             <a:r>
-              <a:rPr lang="en-US" dirty="0" smtClean="0"/>
+              <a:rPr lang="en-US" dirty="0"/>
               <a:t>Scattering parameters</a:t>
             </a:r>
           </a:p>
@@ -10357,13 +9991,6 @@
   <p:clrMapOvr>
     <a:masterClrMapping/>
   </p:clrMapOvr>
-  <p:timing>
-    <p:tnLst>
-      <p:par>
-        <p:cTn id="1" dur="indefinite" restart="never" nodeType="tmRoot"/>
-      </p:par>
-    </p:tnLst>
-  </p:timing>
 </p:sld>
 </file>
 
@@ -10400,10 +10027,9 @@
           <a:lstStyle/>
           <a:p>
             <a:r>
-              <a:rPr lang="en-US" dirty="0" smtClean="0"/>
+              <a:rPr lang="en-US" dirty="0"/>
               <a:t>A Few Definitions</a:t>
             </a:r>
-            <a:endParaRPr lang="en-US" dirty="0"/>
           </a:p>
         </p:txBody>
       </p:sp>
@@ -10423,33 +10049,33 @@
           <a:lstStyle/>
           <a:p>
             <a:r>
-              <a:rPr lang="en-US" sz="2800" dirty="0" smtClean="0"/>
+              <a:rPr lang="en-US" sz="2800" dirty="0"/>
               <a:t> Gain </a:t>
             </a:r>
           </a:p>
           <a:p>
-            <a:endParaRPr lang="en-US" sz="2800" dirty="0" smtClean="0"/>
-          </a:p>
-          <a:p>
-            <a:r>
-              <a:rPr lang="en-US" sz="2800" dirty="0" smtClean="0"/>
+            <a:endParaRPr lang="en-US" sz="2800" dirty="0"/>
+          </a:p>
+          <a:p>
+            <a:r>
+              <a:rPr lang="en-US" sz="2800" dirty="0"/>
               <a:t> Insertion loss</a:t>
             </a:r>
           </a:p>
           <a:p>
-            <a:endParaRPr lang="en-US" sz="2800" dirty="0" smtClean="0"/>
-          </a:p>
-          <a:p>
-            <a:endParaRPr lang="en-US" sz="2800" dirty="0" smtClean="0"/>
-          </a:p>
-          <a:p>
-            <a:r>
-              <a:rPr lang="en-US" sz="2800" dirty="0" smtClean="0"/>
+            <a:endParaRPr lang="en-US" sz="2800" dirty="0"/>
+          </a:p>
+          <a:p>
+            <a:endParaRPr lang="en-US" sz="2800" dirty="0"/>
+          </a:p>
+          <a:p>
+            <a:r>
+              <a:rPr lang="en-US" sz="2800" dirty="0"/>
               <a:t> Return loss </a:t>
             </a:r>
           </a:p>
           <a:p>
-            <a:endParaRPr lang="en-US" sz="2800" dirty="0" smtClean="0"/>
+            <a:endParaRPr lang="en-US" sz="2800" dirty="0"/>
           </a:p>
         </p:txBody>
       </p:sp>
@@ -10508,7 +10134,7 @@
           <a:lstStyle/>
           <a:p>
             <a:r>
-              <a:rPr lang="en-US" sz="1200" dirty="0" smtClean="0">
+              <a:rPr lang="en-US" sz="1200" dirty="0">
                 <a:solidFill>
                   <a:schemeClr val="bg1"/>
                 </a:solidFill>
@@ -10546,7 +10172,7 @@
           <a:lstStyle/>
           <a:p>
             <a:r>
-              <a:rPr lang="en-US" sz="3000" dirty="0" smtClean="0">
+              <a:rPr lang="en-US" sz="3000" dirty="0">
                 <a:solidFill>
                   <a:srgbClr val="C00000"/>
                 </a:solidFill>
@@ -10555,7 +10181,7 @@
               <a:t>Both insertion loss and return loss should be </a:t>
             </a:r>
             <a:r>
-              <a:rPr lang="en-US" sz="3000" b="1" i="1" dirty="0" smtClean="0">
+              <a:rPr lang="en-US" sz="3000" b="1" i="1" dirty="0">
                 <a:solidFill>
                   <a:srgbClr val="C00000"/>
                 </a:solidFill>
@@ -10678,14 +10304,6 @@
   <p:clrMapOvr>
     <a:masterClrMapping/>
   </p:clrMapOvr>
-  <mc:AlternateContent xmlns:mc="http://schemas.openxmlformats.org/markup-compatibility/2006" xmlns:p14="http://schemas.microsoft.com/office/powerpoint/2010/main">
-    <mc:Choice Requires="p14">
-      <p:transition spd="slow" p14:dur="2000"/>
-    </mc:Choice>
-    <mc:Fallback xmlns="">
-      <p:transition spd="slow"/>
-    </mc:Fallback>
-  </mc:AlternateContent>
   <p:timing>
     <p:tnLst>
       <p:par>
@@ -10800,18 +10418,17 @@
           <a:lstStyle/>
           <a:p>
             <a:r>
-              <a:rPr lang="en-US" dirty="0" smtClean="0"/>
+              <a:rPr lang="en-US" dirty="0"/>
               <a:t>Example –</a:t>
             </a:r>
             <a:r>
-              <a:rPr lang="en-US" i="1" dirty="0" smtClean="0"/>
+              <a:rPr lang="en-US" i="1" dirty="0"/>
               <a:t>HMC-ALH444  </a:t>
             </a:r>
             <a:r>
-              <a:rPr lang="en-US" dirty="0" smtClean="0"/>
+              <a:rPr lang="en-US" dirty="0"/>
               <a:t>Low Noise Amplifier</a:t>
             </a:r>
-            <a:endParaRPr lang="en-US" dirty="0"/>
           </a:p>
         </p:txBody>
       </p:sp>
@@ -10902,13 +10519,6 @@
   <p:clrMapOvr>
     <a:masterClrMapping/>
   </p:clrMapOvr>
-  <p:timing>
-    <p:tnLst>
-      <p:par>
-        <p:cTn id="1" dur="indefinite" restart="never" nodeType="tmRoot"/>
-      </p:par>
-    </p:tnLst>
-  </p:timing>
 </p:sld>
 </file>
 
@@ -10945,10 +10555,9 @@
           <a:lstStyle/>
           <a:p>
             <a:r>
-              <a:rPr lang="en-US" dirty="0" smtClean="0"/>
+              <a:rPr lang="en-US" dirty="0"/>
               <a:t>Example</a:t>
             </a:r>
-            <a:endParaRPr lang="en-US" dirty="0"/>
           </a:p>
         </p:txBody>
       </p:sp>
@@ -11029,13 +10638,6 @@
   <p:clrMapOvr>
     <a:masterClrMapping/>
   </p:clrMapOvr>
-  <p:timing>
-    <p:tnLst>
-      <p:par>
-        <p:cTn id="1" dur="indefinite" restart="never" nodeType="tmRoot"/>
-      </p:par>
-    </p:tnLst>
-  </p:timing>
 </p:sld>
 </file>
 
@@ -11072,10 +10674,9 @@
           <a:lstStyle/>
           <a:p>
             <a:r>
-              <a:rPr lang="en-US" dirty="0" smtClean="0"/>
+              <a:rPr lang="en-US" dirty="0"/>
               <a:t>Example</a:t>
             </a:r>
-            <a:endParaRPr lang="en-US" dirty="0"/>
           </a:p>
         </p:txBody>
       </p:sp>
@@ -11172,7 +10773,7 @@
               <a:buNone/>
               <a:tabLst/>
             </a:pPr>
-            <a:endParaRPr kumimoji="0" lang="en-US" sz="2400" b="0" i="0" u="none" strike="noStrike" cap="none" normalizeH="0" baseline="0" smtClean="0">
+            <a:endParaRPr kumimoji="0" lang="en-US" sz="2400" b="0" i="0" u="none" strike="noStrike" cap="none" normalizeH="0" baseline="0">
               <a:ln>
                 <a:noFill/>
               </a:ln>
@@ -11208,7 +10809,7 @@
           <a:lstStyle/>
           <a:p>
             <a:r>
-              <a:rPr lang="en-US" sz="2000" dirty="0" smtClean="0">
+              <a:rPr lang="en-US" sz="2000" dirty="0">
                 <a:solidFill>
                   <a:srgbClr val="0070C0"/>
                 </a:solidFill>
@@ -11219,7 +10820,7 @@
           </a:p>
           <a:p>
             <a:r>
-              <a:rPr lang="en-US" sz="2000" dirty="0" smtClean="0">
+              <a:rPr lang="en-US" sz="2000" dirty="0">
                 <a:solidFill>
                   <a:srgbClr val="0070C0"/>
                 </a:solidFill>
@@ -11280,7 +10881,7 @@
               <a:buNone/>
               <a:tabLst/>
             </a:pPr>
-            <a:endParaRPr kumimoji="0" lang="en-US" sz="2400" b="0" i="0" u="none" strike="noStrike" cap="none" normalizeH="0" baseline="0" smtClean="0">
+            <a:endParaRPr kumimoji="0" lang="en-US" sz="2400" b="0" i="0" u="none" strike="noStrike" cap="none" normalizeH="0" baseline="0">
               <a:ln>
                 <a:noFill/>
               </a:ln>
@@ -11316,7 +10917,7 @@
           <a:lstStyle/>
           <a:p>
             <a:r>
-              <a:rPr lang="en-US" sz="2000" dirty="0" smtClean="0">
+              <a:rPr lang="en-US" sz="2000" dirty="0">
                 <a:solidFill>
                   <a:srgbClr val="0070C0"/>
                 </a:solidFill>
@@ -11337,13 +10938,6 @@
   <p:clrMapOvr>
     <a:masterClrMapping/>
   </p:clrMapOvr>
-  <p:timing>
-    <p:tnLst>
-      <p:par>
-        <p:cTn id="1" dur="indefinite" restart="never" nodeType="tmRoot"/>
-      </p:par>
-    </p:tnLst>
-  </p:timing>
 </p:sld>
 </file>
 
@@ -11380,14 +10974,13 @@
           <a:lstStyle/>
           <a:p>
             <a:r>
-              <a:rPr lang="en-US" dirty="0" err="1" smtClean="0"/>
+              <a:rPr lang="en-US" dirty="0" err="1"/>
               <a:t>SnP</a:t>
             </a:r>
             <a:r>
-              <a:rPr lang="en-US" dirty="0" smtClean="0"/>
+              <a:rPr lang="en-US" dirty="0"/>
               <a:t> File format</a:t>
             </a:r>
-            <a:endParaRPr lang="en-US" dirty="0"/>
           </a:p>
         </p:txBody>
       </p:sp>
@@ -11407,30 +11000,30 @@
           <a:lstStyle/>
           <a:p>
             <a:r>
-              <a:rPr lang="en-US" sz="2400" dirty="0" smtClean="0"/>
+              <a:rPr lang="en-US" sz="2400" dirty="0"/>
               <a:t> Standard file format for storing and transferring S-parameters</a:t>
             </a:r>
           </a:p>
           <a:p>
             <a:r>
-              <a:rPr lang="en-US" sz="2400" dirty="0" smtClean="0"/>
+              <a:rPr lang="en-US" sz="2400" dirty="0"/>
               <a:t> ASCII text</a:t>
             </a:r>
           </a:p>
           <a:p>
             <a:r>
-              <a:rPr lang="en-US" sz="2400" dirty="0" smtClean="0"/>
+              <a:rPr lang="en-US" sz="2400" dirty="0"/>
               <a:t> Supports multi-port S-parameters, .</a:t>
             </a:r>
             <a:r>
-              <a:rPr lang="en-US" sz="2400" dirty="0" err="1" smtClean="0"/>
+              <a:rPr lang="en-US" sz="2400" dirty="0" err="1"/>
               <a:t>snp</a:t>
             </a:r>
-            <a:endParaRPr lang="en-US" sz="2400" dirty="0" smtClean="0"/>
-          </a:p>
-          <a:p>
-            <a:r>
-              <a:rPr lang="en-US" sz="2400" dirty="0" smtClean="0"/>
+            <a:endParaRPr lang="en-US" sz="2400" dirty="0"/>
+          </a:p>
+          <a:p>
+            <a:r>
+              <a:rPr lang="en-US" sz="2400" dirty="0"/>
               <a:t> Can be imported into EDA software for simulation of the device</a:t>
             </a:r>
           </a:p>
@@ -11459,7 +11052,7 @@
           <a:lstStyle/>
           <a:p>
             <a:r>
-              <a:rPr lang="en-US" sz="1200" dirty="0" err="1" smtClean="0">
+              <a:rPr lang="en-US" sz="1200" dirty="0" err="1">
                 <a:solidFill>
                   <a:schemeClr val="bg1"/>
                 </a:solidFill>
@@ -11468,7 +11061,7 @@
               <a:t>SnP</a:t>
             </a:r>
             <a:r>
-              <a:rPr lang="en-US" sz="1200" dirty="0" smtClean="0">
+              <a:rPr lang="en-US" sz="1200" dirty="0">
                 <a:solidFill>
                   <a:schemeClr val="bg1"/>
                 </a:solidFill>
@@ -11479,7 +11072,7 @@
           </a:p>
           <a:p>
             <a:r>
-              <a:rPr lang="en-US" sz="1200" dirty="0" smtClean="0">
+              <a:rPr lang="en-US" sz="1200" dirty="0">
                 <a:solidFill>
                   <a:schemeClr val="bg1"/>
                 </a:solidFill>
@@ -11494,7 +11087,7 @@
               </a:rPr>
               <a:t>http://na.tm.agilent.com/plts/help/WebHelp/FilePrint/SnP_File_Format.htm</a:t>
             </a:r>
-            <a:endParaRPr lang="en-US" sz="1200" dirty="0" smtClean="0">
+            <a:endParaRPr lang="en-US" sz="1200" dirty="0">
               <a:solidFill>
                 <a:schemeClr val="bg1"/>
               </a:solidFill>
@@ -11513,13 +11106,6 @@
   <p:clrMapOvr>
     <a:masterClrMapping/>
   </p:clrMapOvr>
-  <p:timing>
-    <p:tnLst>
-      <p:par>
-        <p:cTn id="1" dur="indefinite" restart="never" nodeType="tmRoot"/>
-      </p:par>
-    </p:tnLst>
-  </p:timing>
 </p:sld>
 </file>
 
@@ -11558,10 +11144,9 @@
           <a:lstStyle/>
           <a:p>
             <a:r>
-              <a:rPr lang="en-US" dirty="0" smtClean="0"/>
+              <a:rPr lang="en-US" dirty="0"/>
               <a:t>The Radio Spectrum</a:t>
             </a:r>
-            <a:endParaRPr lang="en-US" dirty="0"/>
           </a:p>
         </p:txBody>
       </p:sp>
@@ -11626,13 +11211,6 @@
   <p:clrMapOvr>
     <a:masterClrMapping/>
   </p:clrMapOvr>
-  <p:timing>
-    <p:tnLst>
-      <p:par>
-        <p:cTn id="1" dur="indefinite" restart="never" nodeType="tmRoot"/>
-      </p:par>
-    </p:tnLst>
-  </p:timing>
 </p:sld>
 </file>
 
@@ -11671,10 +11249,9 @@
           <a:lstStyle/>
           <a:p>
             <a:r>
-              <a:rPr lang="en-US" dirty="0" smtClean="0"/>
+              <a:rPr lang="en-US" dirty="0"/>
               <a:t>Frequency Spectrum Allocation</a:t>
             </a:r>
-            <a:endParaRPr lang="en-US" dirty="0"/>
           </a:p>
         </p:txBody>
       </p:sp>
@@ -11694,14 +11271,14 @@
           <a:lstStyle/>
           <a:p>
             <a:r>
-              <a:rPr lang="en-US" dirty="0" smtClean="0"/>
+              <a:rPr lang="en-US" dirty="0"/>
               <a:t> Radio spectrum is considered a scarce natural resource and is heavily regulated</a:t>
             </a:r>
           </a:p>
           <a:p>
             <a:pPr lvl="1"/>
             <a:r>
-              <a:rPr lang="en-US" dirty="0" smtClean="0"/>
+              <a:rPr lang="en-US" dirty="0"/>
               <a:t>Note that regulation only applies to transmitting</a:t>
             </a:r>
           </a:p>
@@ -11779,13 +11356,6 @@
   <p:clrMapOvr>
     <a:masterClrMapping/>
   </p:clrMapOvr>
-  <p:timing>
-    <p:tnLst>
-      <p:par>
-        <p:cTn id="1" dur="indefinite" restart="never" nodeType="tmRoot"/>
-      </p:par>
-    </p:tnLst>
-  </p:timing>
 </p:sld>
 </file>
 
@@ -11824,10 +11394,9 @@
           <a:lstStyle/>
           <a:p>
             <a:r>
-              <a:rPr lang="en-US" dirty="0" smtClean="0"/>
+              <a:rPr lang="en-US" dirty="0"/>
               <a:t>Frequency Spectrum Allocation</a:t>
             </a:r>
-            <a:endParaRPr lang="en-US" dirty="0"/>
           </a:p>
         </p:txBody>
       </p:sp>
@@ -11956,13 +11525,6 @@
   <p:clrMapOvr>
     <a:masterClrMapping/>
   </p:clrMapOvr>
-  <p:timing>
-    <p:tnLst>
-      <p:par>
-        <p:cTn id="1" dur="indefinite" restart="never" nodeType="tmRoot"/>
-      </p:par>
-    </p:tnLst>
-  </p:timing>
 </p:sld>
 </file>
 
@@ -12001,10 +11563,9 @@
           <a:lstStyle/>
           <a:p>
             <a:r>
-              <a:rPr lang="en-US" dirty="0" smtClean="0"/>
+              <a:rPr lang="en-US" dirty="0"/>
               <a:t>Frequency Spectrum Allocation</a:t>
             </a:r>
-            <a:endParaRPr lang="en-US" dirty="0"/>
           </a:p>
         </p:txBody>
       </p:sp>
@@ -12024,22 +11585,22 @@
           <a:lstStyle/>
           <a:p>
             <a:r>
-              <a:rPr lang="en-US" dirty="0" smtClean="0"/>
+              <a:rPr lang="en-US" dirty="0"/>
               <a:t> </a:t>
             </a:r>
             <a:r>
-              <a:rPr lang="en-US" sz="2600" dirty="0" smtClean="0"/>
+              <a:rPr lang="en-US" sz="2600" dirty="0"/>
               <a:t>Radio Spectrum is expensive</a:t>
             </a:r>
           </a:p>
           <a:p>
             <a:pPr lvl="1"/>
             <a:r>
-              <a:rPr lang="en-US" sz="2200" dirty="0" smtClean="0"/>
+              <a:rPr lang="en-US" sz="2200" dirty="0"/>
               <a:t>“</a:t>
             </a:r>
             <a:r>
-              <a:rPr lang="en-US" sz="2200" b="0" dirty="0" smtClean="0"/>
+              <a:rPr lang="en-US" sz="2200" b="0" dirty="0"/>
               <a:t>Since July 1994, the FCC has conducted 87 spectrum auctions, which raised over $60 billion for the U.S. Treasury”		 -- Wikipedia</a:t>
             </a:r>
           </a:p>
@@ -12047,12 +11608,12 @@
             <a:pPr lvl="1">
               <a:buNone/>
             </a:pPr>
-            <a:endParaRPr lang="en-US" sz="2200" b="0" dirty="0" smtClean="0"/>
+            <a:endParaRPr lang="en-US" sz="2200" b="0" dirty="0"/>
           </a:p>
           <a:p>
             <a:pPr lvl="1"/>
             <a:r>
-              <a:rPr lang="en-US" sz="2200" b="0" dirty="0" smtClean="0"/>
+              <a:rPr lang="en-US" sz="2200" b="0" dirty="0"/>
               <a:t>“The President has set the goal of freeing up 500 MHz of spectrum …within a decade.  Critical to realizing this goal are “voluntary incentive auctions” and more efficient use of government spectrum, estimated to raise $27.8 billion over the next decade.” </a:t>
             </a:r>
           </a:p>
@@ -12061,7 +11622,7 @@
               <a:buNone/>
             </a:pPr>
             <a:r>
-              <a:rPr lang="en-US" sz="2200" b="0" dirty="0" smtClean="0"/>
+              <a:rPr lang="en-US" sz="2200" b="0" dirty="0"/>
               <a:t>					  -- The White House, 2011</a:t>
             </a:r>
           </a:p>
@@ -12089,7 +11650,7 @@
           <a:lstStyle/>
           <a:p>
             <a:r>
-              <a:rPr lang="en-US" sz="1000" dirty="0" smtClean="0">
+              <a:rPr lang="en-US" sz="1000" dirty="0">
                 <a:hlinkClick r:id="rId2"/>
               </a:rPr>
               <a:t>http://www.whitehouse.gov/the-press-office/2011/02/10/president-obama-details-plan-win-future-through-expanded-wireless-access</a:t>
@@ -12256,10 +11817,9 @@
           <a:lstStyle/>
           <a:p>
             <a:r>
-              <a:rPr lang="en-US" dirty="0" smtClean="0"/>
+              <a:rPr lang="en-US" dirty="0"/>
               <a:t>Frequency Spectrum Allocation</a:t>
             </a:r>
-            <a:endParaRPr lang="en-US" dirty="0"/>
           </a:p>
         </p:txBody>
       </p:sp>
@@ -12279,14 +11839,14 @@
           <a:lstStyle/>
           <a:p>
             <a:r>
-              <a:rPr lang="en-US" sz="2800" dirty="0" smtClean="0"/>
+              <a:rPr lang="en-US" sz="2800" dirty="0"/>
               <a:t> Unlicensed ISM Bands</a:t>
             </a:r>
           </a:p>
           <a:p>
             <a:pPr lvl="1"/>
             <a:r>
-              <a:rPr lang="en-US" sz="2400" b="1" dirty="0" smtClean="0">
+              <a:rPr lang="en-US" sz="2400" b="1" dirty="0">
                 <a:solidFill>
                   <a:srgbClr val="0070C0"/>
                 </a:solidFill>
@@ -12294,14 +11854,14 @@
               <a:t>ISM</a:t>
             </a:r>
             <a:r>
-              <a:rPr lang="en-US" sz="2400" dirty="0" smtClean="0"/>
+              <a:rPr lang="en-US" sz="2400" dirty="0"/>
               <a:t> = Industrial, Scientific and Medical</a:t>
             </a:r>
           </a:p>
           <a:p>
             <a:pPr lvl="1"/>
             <a:r>
-              <a:rPr lang="en-US" sz="2400" dirty="0" smtClean="0"/>
+              <a:rPr lang="en-US" sz="2400" dirty="0"/>
               <a:t>Your product still needs to pass FCC certification</a:t>
             </a:r>
           </a:p>
@@ -12349,13 +11909,6 @@
   <p:clrMapOvr>
     <a:masterClrMapping/>
   </p:clrMapOvr>
-  <p:timing>
-    <p:tnLst>
-      <p:par>
-        <p:cTn id="1" dur="indefinite" restart="never" nodeType="tmRoot"/>
-      </p:par>
-    </p:tnLst>
-  </p:timing>
 </p:sld>
 </file>
 
@@ -12394,10 +11947,9 @@
           <a:lstStyle/>
           <a:p>
             <a:r>
-              <a:rPr lang="en-US" dirty="0" smtClean="0"/>
+              <a:rPr lang="en-US" dirty="0"/>
               <a:t>Frequency Spectrum Allocation</a:t>
             </a:r>
-            <a:endParaRPr lang="en-US" dirty="0"/>
           </a:p>
         </p:txBody>
       </p:sp>
@@ -12417,10 +11969,9 @@
           <a:lstStyle/>
           <a:p>
             <a:r>
-              <a:rPr lang="en-US" sz="2400" dirty="0" smtClean="0"/>
+              <a:rPr lang="en-US" sz="2400" dirty="0"/>
               <a:t> Amateur Radio Bands</a:t>
             </a:r>
-            <a:endParaRPr lang="en-US" sz="2400" dirty="0"/>
           </a:p>
         </p:txBody>
       </p:sp>
@@ -12458,13 +12009,6 @@
   <p:clrMapOvr>
     <a:masterClrMapping/>
   </p:clrMapOvr>
-  <p:timing>
-    <p:tnLst>
-      <p:par>
-        <p:cTn id="1" dur="indefinite" restart="never" nodeType="tmRoot"/>
-      </p:par>
-    </p:tnLst>
-  </p:timing>
 </p:sld>
 </file>
 
@@ -12501,10 +12045,9 @@
           <a:lstStyle/>
           <a:p>
             <a:r>
-              <a:rPr lang="en-US" dirty="0" smtClean="0"/>
+              <a:rPr lang="en-US" dirty="0"/>
               <a:t>Units in RF Systems</a:t>
             </a:r>
-            <a:endParaRPr lang="en-US" dirty="0"/>
           </a:p>
         </p:txBody>
       </p:sp>
@@ -12524,52 +12067,51 @@
           <a:lstStyle/>
           <a:p>
             <a:r>
-              <a:rPr lang="en-US" sz="2800" dirty="0" smtClean="0"/>
+              <a:rPr lang="en-US" sz="2800" dirty="0"/>
               <a:t> decibel (dB)</a:t>
             </a:r>
           </a:p>
           <a:p>
             <a:pPr lvl="1"/>
             <a:r>
-              <a:rPr lang="en-US" sz="2400" dirty="0" smtClean="0"/>
+              <a:rPr lang="en-US" sz="2400" dirty="0"/>
               <a:t>Ratio between two quantities (usually power or intensity, i.e. square of field)</a:t>
             </a:r>
           </a:p>
           <a:p>
             <a:pPr lvl="1"/>
             <a:r>
-              <a:rPr lang="en-US" sz="2400" dirty="0" smtClean="0"/>
+              <a:rPr lang="en-US" sz="2400" dirty="0"/>
               <a:t>Numerically equals to 10 times the logarithm to base 10</a:t>
             </a:r>
           </a:p>
           <a:p>
-            <a:endParaRPr lang="en-US" sz="2800" dirty="0" smtClean="0"/>
-          </a:p>
-          <a:p>
-            <a:r>
-              <a:rPr lang="en-US" sz="2800" dirty="0" smtClean="0"/>
+            <a:endParaRPr lang="en-US" sz="2800" dirty="0"/>
+          </a:p>
+          <a:p>
+            <a:r>
+              <a:rPr lang="en-US" sz="2800" dirty="0"/>
               <a:t> </a:t>
             </a:r>
             <a:r>
-              <a:rPr lang="en-US" sz="2800" dirty="0" err="1" smtClean="0"/>
+              <a:rPr lang="en-US" sz="2800" dirty="0" err="1"/>
               <a:t>Neper</a:t>
             </a:r>
-            <a:endParaRPr lang="en-US" sz="2800" dirty="0" smtClean="0"/>
+            <a:endParaRPr lang="en-US" sz="2800" dirty="0"/>
           </a:p>
           <a:p>
             <a:pPr lvl="1"/>
             <a:r>
-              <a:rPr lang="en-US" sz="2400" dirty="0" smtClean="0"/>
+              <a:rPr lang="en-US" sz="2400" dirty="0"/>
               <a:t>Natural log based</a:t>
             </a:r>
           </a:p>
           <a:p>
             <a:pPr lvl="1"/>
             <a:r>
-              <a:rPr lang="en-US" sz="2400" dirty="0" smtClean="0"/>
+              <a:rPr lang="en-US" sz="2400" dirty="0"/>
               <a:t>You mostly see this unit when specifying attenuation</a:t>
             </a:r>
-            <a:endParaRPr lang="en-US" sz="2400" dirty="0"/>
           </a:p>
         </p:txBody>
       </p:sp>
@@ -12665,21 +12207,6 @@
   <p:clrMapOvr>
     <a:masterClrMapping/>
   </p:clrMapOvr>
-  <mc:AlternateContent xmlns:mc="http://schemas.openxmlformats.org/markup-compatibility/2006" xmlns:p14="http://schemas.microsoft.com/office/powerpoint/2010/main">
-    <mc:Choice Requires="p14">
-      <p:transition spd="slow" p14:dur="2000"/>
-    </mc:Choice>
-    <mc:Fallback xmlns="">
-      <p:transition spd="slow"/>
-    </mc:Fallback>
-  </mc:AlternateContent>
-  <p:timing>
-    <p:tnLst>
-      <p:par>
-        <p:cTn id="1" dur="indefinite" restart="never" nodeType="tmRoot"/>
-      </p:par>
-    </p:tnLst>
-  </p:timing>
 </p:sld>
 </file>
 
